--- a/group_presentation.pptx
+++ b/group_presentation.pptx
@@ -856,7 +856,7 @@
   <p:cSld>
     <p:spTree>
       <p:nvGrpSpPr>
-        <p:cNvPr id="113" name="Shape 113"/>
+        <p:cNvPr id="112" name="Shape 112"/>
         <p:cNvGrpSpPr/>
         <p:nvPr/>
       </p:nvGrpSpPr>
@@ -870,7 +870,7 @@
       </p:grpSpPr>
       <p:sp>
         <p:nvSpPr>
-          <p:cNvPr id="114" name="Google Shape;114;g6adee832ee_1_66:notes"/>
+          <p:cNvPr id="113" name="Google Shape;113;g6adee832ee_1_66:notes"/>
           <p:cNvSpPr/>
           <p:nvPr>
             <p:ph idx="2" type="sldImg"/>
@@ -905,7 +905,7 @@
       </p:sp>
       <p:sp>
         <p:nvSpPr>
-          <p:cNvPr id="115" name="Google Shape;115;g6adee832ee_1_66:notes"/>
+          <p:cNvPr id="114" name="Google Shape;114;g6adee832ee_1_66:notes"/>
           <p:cNvSpPr txBox="1"/>
           <p:nvPr>
             <p:ph idx="1" type="body"/>
@@ -955,7 +955,7 @@
   <p:cSld>
     <p:spTree>
       <p:nvGrpSpPr>
-        <p:cNvPr id="123" name="Shape 123"/>
+        <p:cNvPr id="122" name="Shape 122"/>
         <p:cNvGrpSpPr/>
         <p:nvPr/>
       </p:nvGrpSpPr>
@@ -969,7 +969,7 @@
       </p:grpSpPr>
       <p:sp>
         <p:nvSpPr>
-          <p:cNvPr id="124" name="Google Shape;124;g6ae2bfc627_2_0:notes"/>
+          <p:cNvPr id="123" name="Google Shape;123;g6ae2bfc627_2_0:notes"/>
           <p:cNvSpPr/>
           <p:nvPr>
             <p:ph idx="2" type="sldImg"/>
@@ -1004,7 +1004,7 @@
       </p:sp>
       <p:sp>
         <p:nvSpPr>
-          <p:cNvPr id="125" name="Google Shape;125;g6ae2bfc627_2_0:notes"/>
+          <p:cNvPr id="124" name="Google Shape;124;g6ae2bfc627_2_0:notes"/>
           <p:cNvSpPr txBox="1"/>
           <p:nvPr>
             <p:ph idx="1" type="body"/>
@@ -1054,7 +1054,7 @@
   <p:cSld>
     <p:spTree>
       <p:nvGrpSpPr>
-        <p:cNvPr id="131" name="Shape 131"/>
+        <p:cNvPr id="130" name="Shape 130"/>
         <p:cNvGrpSpPr/>
         <p:nvPr/>
       </p:nvGrpSpPr>
@@ -1068,7 +1068,7 @@
       </p:grpSpPr>
       <p:sp>
         <p:nvSpPr>
-          <p:cNvPr id="132" name="Google Shape;132;g6ae2bfc627_2_7:notes"/>
+          <p:cNvPr id="131" name="Google Shape;131;g6ae2bfc627_2_7:notes"/>
           <p:cNvSpPr/>
           <p:nvPr>
             <p:ph idx="2" type="sldImg"/>
@@ -1103,7 +1103,7 @@
       </p:sp>
       <p:sp>
         <p:nvSpPr>
-          <p:cNvPr id="133" name="Google Shape;133;g6ae2bfc627_2_7:notes"/>
+          <p:cNvPr id="132" name="Google Shape;132;g6ae2bfc627_2_7:notes"/>
           <p:cNvSpPr txBox="1"/>
           <p:nvPr>
             <p:ph idx="1" type="body"/>
@@ -1153,7 +1153,7 @@
   <p:cSld>
     <p:spTree>
       <p:nvGrpSpPr>
-        <p:cNvPr id="138" name="Shape 138"/>
+        <p:cNvPr id="137" name="Shape 137"/>
         <p:cNvGrpSpPr/>
         <p:nvPr/>
       </p:nvGrpSpPr>
@@ -1167,7 +1167,7 @@
       </p:grpSpPr>
       <p:sp>
         <p:nvSpPr>
-          <p:cNvPr id="139" name="Google Shape;139;g6adee832ee_0_0:notes"/>
+          <p:cNvPr id="138" name="Google Shape;138;g6adee832ee_0_0:notes"/>
           <p:cNvSpPr/>
           <p:nvPr>
             <p:ph idx="2" type="sldImg"/>
@@ -1202,7 +1202,7 @@
       </p:sp>
       <p:sp>
         <p:nvSpPr>
-          <p:cNvPr id="140" name="Google Shape;140;g6adee832ee_0_0:notes"/>
+          <p:cNvPr id="139" name="Google Shape;139;g6adee832ee_0_0:notes"/>
           <p:cNvSpPr txBox="1"/>
           <p:nvPr>
             <p:ph idx="1" type="body"/>
@@ -1252,7 +1252,7 @@
   <p:cSld>
     <p:spTree>
       <p:nvGrpSpPr>
-        <p:cNvPr id="144" name="Shape 144"/>
+        <p:cNvPr id="143" name="Shape 143"/>
         <p:cNvGrpSpPr/>
         <p:nvPr/>
       </p:nvGrpSpPr>
@@ -1266,7 +1266,7 @@
       </p:grpSpPr>
       <p:sp>
         <p:nvSpPr>
-          <p:cNvPr id="145" name="Google Shape;145;g6ae2bfc627_0_0:notes"/>
+          <p:cNvPr id="144" name="Google Shape;144;g6ae2bfc627_0_0:notes"/>
           <p:cNvSpPr/>
           <p:nvPr>
             <p:ph idx="2" type="sldImg"/>
@@ -1301,7 +1301,7 @@
       </p:sp>
       <p:sp>
         <p:nvSpPr>
-          <p:cNvPr id="146" name="Google Shape;146;g6ae2bfc627_0_0:notes"/>
+          <p:cNvPr id="145" name="Google Shape;145;g6ae2bfc627_0_0:notes"/>
           <p:cNvSpPr txBox="1"/>
           <p:nvPr>
             <p:ph idx="1" type="body"/>
@@ -1351,7 +1351,7 @@
   <p:cSld>
     <p:spTree>
       <p:nvGrpSpPr>
-        <p:cNvPr id="150" name="Shape 150"/>
+        <p:cNvPr id="149" name="Shape 149"/>
         <p:cNvGrpSpPr/>
         <p:nvPr/>
       </p:nvGrpSpPr>
@@ -1365,7 +1365,7 @@
       </p:grpSpPr>
       <p:sp>
         <p:nvSpPr>
-          <p:cNvPr id="151" name="Google Shape;151;g6ae06e64e3_4_1:notes"/>
+          <p:cNvPr id="150" name="Google Shape;150;g6ae06e64e3_4_1:notes"/>
           <p:cNvSpPr/>
           <p:nvPr>
             <p:ph idx="2" type="sldImg"/>
@@ -1400,7 +1400,7 @@
       </p:sp>
       <p:sp>
         <p:nvSpPr>
-          <p:cNvPr id="152" name="Google Shape;152;g6ae06e64e3_4_1:notes"/>
+          <p:cNvPr id="151" name="Google Shape;151;g6ae06e64e3_4_1:notes"/>
           <p:cNvSpPr txBox="1"/>
           <p:nvPr>
             <p:ph idx="1" type="body"/>
@@ -1450,7 +1450,7 @@
   <p:cSld>
     <p:spTree>
       <p:nvGrpSpPr>
-        <p:cNvPr id="156" name="Shape 156"/>
+        <p:cNvPr id="155" name="Shape 155"/>
         <p:cNvGrpSpPr/>
         <p:nvPr/>
       </p:nvGrpSpPr>
@@ -1464,7 +1464,7 @@
       </p:grpSpPr>
       <p:sp>
         <p:nvSpPr>
-          <p:cNvPr id="157" name="Google Shape;157;g6ae06e64e3_4_8:notes"/>
+          <p:cNvPr id="156" name="Google Shape;156;g6ae06e64e3_4_8:notes"/>
           <p:cNvSpPr/>
           <p:nvPr>
             <p:ph idx="2" type="sldImg"/>
@@ -1499,7 +1499,7 @@
       </p:sp>
       <p:sp>
         <p:nvSpPr>
-          <p:cNvPr id="158" name="Google Shape;158;g6ae06e64e3_4_8:notes"/>
+          <p:cNvPr id="157" name="Google Shape;157;g6ae06e64e3_4_8:notes"/>
           <p:cNvSpPr txBox="1"/>
           <p:nvPr>
             <p:ph idx="1" type="body"/>
@@ -1549,7 +1549,7 @@
   <p:cSld>
     <p:spTree>
       <p:nvGrpSpPr>
-        <p:cNvPr id="162" name="Shape 162"/>
+        <p:cNvPr id="161" name="Shape 161"/>
         <p:cNvGrpSpPr/>
         <p:nvPr/>
       </p:nvGrpSpPr>
@@ -1563,7 +1563,7 @@
       </p:grpSpPr>
       <p:sp>
         <p:nvSpPr>
-          <p:cNvPr id="163" name="Google Shape;163;g6ae06e64e3_4_12:notes"/>
+          <p:cNvPr id="162" name="Google Shape;162;g6ae06e64e3_4_12:notes"/>
           <p:cNvSpPr/>
           <p:nvPr>
             <p:ph idx="2" type="sldImg"/>
@@ -1598,7 +1598,7 @@
       </p:sp>
       <p:sp>
         <p:nvSpPr>
-          <p:cNvPr id="164" name="Google Shape;164;g6ae06e64e3_4_12:notes"/>
+          <p:cNvPr id="163" name="Google Shape;163;g6ae06e64e3_4_12:notes"/>
           <p:cNvSpPr txBox="1"/>
           <p:nvPr>
             <p:ph idx="1" type="body"/>
@@ -1648,7 +1648,7 @@
   <p:cSld>
     <p:spTree>
       <p:nvGrpSpPr>
-        <p:cNvPr id="168" name="Shape 168"/>
+        <p:cNvPr id="167" name="Shape 167"/>
         <p:cNvGrpSpPr/>
         <p:nvPr/>
       </p:nvGrpSpPr>
@@ -1662,7 +1662,7 @@
       </p:grpSpPr>
       <p:sp>
         <p:nvSpPr>
-          <p:cNvPr id="169" name="Google Shape;169;g6ae06e64e3_4_16:notes"/>
+          <p:cNvPr id="168" name="Google Shape;168;g6ae06e64e3_4_16:notes"/>
           <p:cNvSpPr/>
           <p:nvPr>
             <p:ph idx="2" type="sldImg"/>
@@ -1697,7 +1697,7 @@
       </p:sp>
       <p:sp>
         <p:nvSpPr>
-          <p:cNvPr id="170" name="Google Shape;170;g6ae06e64e3_4_16:notes"/>
+          <p:cNvPr id="169" name="Google Shape;169;g6ae06e64e3_4_16:notes"/>
           <p:cNvSpPr txBox="1"/>
           <p:nvPr>
             <p:ph idx="1" type="body"/>
@@ -1747,7 +1747,7 @@
   <p:cSld>
     <p:spTree>
       <p:nvGrpSpPr>
-        <p:cNvPr id="174" name="Shape 174"/>
+        <p:cNvPr id="173" name="Shape 173"/>
         <p:cNvGrpSpPr/>
         <p:nvPr/>
       </p:nvGrpSpPr>
@@ -1761,7 +1761,7 @@
       </p:grpSpPr>
       <p:sp>
         <p:nvSpPr>
-          <p:cNvPr id="175" name="Google Shape;175;g6ae06e64e3_4_27:notes"/>
+          <p:cNvPr id="174" name="Google Shape;174;g6ae06e64e3_4_27:notes"/>
           <p:cNvSpPr/>
           <p:nvPr>
             <p:ph idx="2" type="sldImg"/>
@@ -1796,7 +1796,7 @@
       </p:sp>
       <p:sp>
         <p:nvSpPr>
-          <p:cNvPr id="176" name="Google Shape;176;g6ae06e64e3_4_27:notes"/>
+          <p:cNvPr id="175" name="Google Shape;175;g6ae06e64e3_4_27:notes"/>
           <p:cNvSpPr txBox="1"/>
           <p:nvPr>
             <p:ph idx="1" type="body"/>
@@ -1945,7 +1945,7 @@
   <p:cSld>
     <p:spTree>
       <p:nvGrpSpPr>
-        <p:cNvPr id="181" name="Shape 181"/>
+        <p:cNvPr id="180" name="Shape 180"/>
         <p:cNvGrpSpPr/>
         <p:nvPr/>
       </p:nvGrpSpPr>
@@ -1959,7 +1959,7 @@
       </p:grpSpPr>
       <p:sp>
         <p:nvSpPr>
-          <p:cNvPr id="182" name="Google Shape;182;g6adee832ee_2_8:notes"/>
+          <p:cNvPr id="181" name="Google Shape;181;g6adee832ee_2_8:notes"/>
           <p:cNvSpPr/>
           <p:nvPr>
             <p:ph idx="2" type="sldImg"/>
@@ -1994,7 +1994,7 @@
       </p:sp>
       <p:sp>
         <p:nvSpPr>
-          <p:cNvPr id="183" name="Google Shape;183;g6adee832ee_2_8:notes"/>
+          <p:cNvPr id="182" name="Google Shape;182;g6adee832ee_2_8:notes"/>
           <p:cNvSpPr txBox="1"/>
           <p:nvPr>
             <p:ph idx="1" type="body"/>
@@ -2044,7 +2044,7 @@
   <p:cSld>
     <p:spTree>
       <p:nvGrpSpPr>
-        <p:cNvPr id="189" name="Shape 189"/>
+        <p:cNvPr id="187" name="Shape 187"/>
         <p:cNvGrpSpPr/>
         <p:nvPr/>
       </p:nvGrpSpPr>
@@ -2058,7 +2058,7 @@
       </p:grpSpPr>
       <p:sp>
         <p:nvSpPr>
-          <p:cNvPr id="190" name="Google Shape;190;g6ae2bfc627_0_6:notes"/>
+          <p:cNvPr id="188" name="Google Shape;188;g6ae2bfc627_0_37:notes"/>
           <p:cNvSpPr/>
           <p:nvPr>
             <p:ph idx="2" type="sldImg"/>
@@ -2093,7 +2093,7 @@
       </p:sp>
       <p:sp>
         <p:nvSpPr>
-          <p:cNvPr id="191" name="Google Shape;191;g6ae2bfc627_0_6:notes"/>
+          <p:cNvPr id="189" name="Google Shape;189;g6ae2bfc627_0_37:notes"/>
           <p:cNvSpPr txBox="1"/>
           <p:nvPr>
             <p:ph idx="1" type="body"/>
@@ -2157,7 +2157,7 @@
       </p:grpSpPr>
       <p:sp>
         <p:nvSpPr>
-          <p:cNvPr id="196" name="Google Shape;196;g6adee832ee_2_17:notes"/>
+          <p:cNvPr id="196" name="Google Shape;196;g6ae2bfc627_0_6:notes"/>
           <p:cNvSpPr/>
           <p:nvPr>
             <p:ph idx="2" type="sldImg"/>
@@ -2192,7 +2192,7 @@
       </p:sp>
       <p:sp>
         <p:nvSpPr>
-          <p:cNvPr id="197" name="Google Shape;197;g6adee832ee_2_17:notes"/>
+          <p:cNvPr id="197" name="Google Shape;197;g6ae2bfc627_0_6:notes"/>
           <p:cNvSpPr txBox="1"/>
           <p:nvPr>
             <p:ph idx="1" type="body"/>
@@ -2256,7 +2256,7 @@
       </p:grpSpPr>
       <p:sp>
         <p:nvSpPr>
-          <p:cNvPr id="202" name="Google Shape;202;g6ae06e64e3_4_48:notes"/>
+          <p:cNvPr id="202" name="Google Shape;202;g6adee832ee_2_17:notes"/>
           <p:cNvSpPr/>
           <p:nvPr>
             <p:ph idx="2" type="sldImg"/>
@@ -2291,7 +2291,7 @@
       </p:sp>
       <p:sp>
         <p:nvSpPr>
-          <p:cNvPr id="203" name="Google Shape;203;g6ae06e64e3_4_48:notes"/>
+          <p:cNvPr id="203" name="Google Shape;203;g6adee832ee_2_17:notes"/>
           <p:cNvSpPr txBox="1"/>
           <p:nvPr>
             <p:ph idx="1" type="body"/>
@@ -2355,7 +2355,7 @@
       </p:grpSpPr>
       <p:sp>
         <p:nvSpPr>
-          <p:cNvPr id="208" name="Google Shape;208;g6ae06e64e3_4_36:notes"/>
+          <p:cNvPr id="208" name="Google Shape;208;g6ae06e64e3_4_48:notes"/>
           <p:cNvSpPr/>
           <p:nvPr>
             <p:ph idx="2" type="sldImg"/>
@@ -2390,7 +2390,7 @@
       </p:sp>
       <p:sp>
         <p:nvSpPr>
-          <p:cNvPr id="209" name="Google Shape;209;g6ae06e64e3_4_36:notes"/>
+          <p:cNvPr id="209" name="Google Shape;209;g6ae06e64e3_4_48:notes"/>
           <p:cNvSpPr txBox="1"/>
           <p:nvPr>
             <p:ph idx="1" type="body"/>
@@ -2454,7 +2454,7 @@
       </p:grpSpPr>
       <p:sp>
         <p:nvSpPr>
-          <p:cNvPr id="214" name="Google Shape;214;g6ae06e64e3_4_43:notes"/>
+          <p:cNvPr id="214" name="Google Shape;214;g6ae2bfc627_0_45:notes"/>
           <p:cNvSpPr/>
           <p:nvPr>
             <p:ph idx="2" type="sldImg"/>
@@ -2489,7 +2489,7 @@
       </p:sp>
       <p:sp>
         <p:nvSpPr>
-          <p:cNvPr id="215" name="Google Shape;215;g6ae06e64e3_4_43:notes"/>
+          <p:cNvPr id="215" name="Google Shape;215;g6ae2bfc627_0_45:notes"/>
           <p:cNvSpPr txBox="1"/>
           <p:nvPr>
             <p:ph idx="1" type="body"/>
@@ -2539,7 +2539,7 @@
   <p:cSld>
     <p:spTree>
       <p:nvGrpSpPr>
-        <p:cNvPr id="219" name="Shape 219"/>
+        <p:cNvPr id="220" name="Shape 220"/>
         <p:cNvGrpSpPr/>
         <p:nvPr/>
       </p:nvGrpSpPr>
@@ -2553,7 +2553,7 @@
       </p:grpSpPr>
       <p:sp>
         <p:nvSpPr>
-          <p:cNvPr id="220" name="Google Shape;220;g6ae06e64e3_4_133:notes"/>
+          <p:cNvPr id="221" name="Google Shape;221;g6ae06e64e3_4_156:notes"/>
           <p:cNvSpPr/>
           <p:nvPr>
             <p:ph idx="2" type="sldImg"/>
@@ -2588,7 +2588,7 @@
       </p:sp>
       <p:sp>
         <p:nvSpPr>
-          <p:cNvPr id="221" name="Google Shape;221;g6ae06e64e3_4_133:notes"/>
+          <p:cNvPr id="222" name="Google Shape;222;g6ae06e64e3_4_156:notes"/>
           <p:cNvSpPr txBox="1"/>
           <p:nvPr>
             <p:ph idx="1" type="body"/>
@@ -2638,7 +2638,7 @@
   <p:cSld>
     <p:spTree>
       <p:nvGrpSpPr>
-        <p:cNvPr id="225" name="Shape 225"/>
+        <p:cNvPr id="226" name="Shape 226"/>
         <p:cNvGrpSpPr/>
         <p:nvPr/>
       </p:nvGrpSpPr>
@@ -2652,7 +2652,7 @@
       </p:grpSpPr>
       <p:sp>
         <p:nvSpPr>
-          <p:cNvPr id="226" name="Google Shape;226;g6ae06e64e3_4_156:notes"/>
+          <p:cNvPr id="227" name="Google Shape;227;g6ae06e64e3_4_193:notes"/>
           <p:cNvSpPr/>
           <p:nvPr>
             <p:ph idx="2" type="sldImg"/>
@@ -2687,7 +2687,7 @@
       </p:sp>
       <p:sp>
         <p:nvSpPr>
-          <p:cNvPr id="227" name="Google Shape;227;g6ae06e64e3_4_156:notes"/>
+          <p:cNvPr id="228" name="Google Shape;228;g6ae06e64e3_4_193:notes"/>
           <p:cNvSpPr txBox="1"/>
           <p:nvPr>
             <p:ph idx="1" type="body"/>
@@ -2737,7 +2737,7 @@
   <p:cSld>
     <p:spTree>
       <p:nvGrpSpPr>
-        <p:cNvPr id="231" name="Shape 231"/>
+        <p:cNvPr id="232" name="Shape 232"/>
         <p:cNvGrpSpPr/>
         <p:nvPr/>
       </p:nvGrpSpPr>
@@ -2751,7 +2751,7 @@
       </p:grpSpPr>
       <p:sp>
         <p:nvSpPr>
-          <p:cNvPr id="232" name="Google Shape;232;g6ae06e64e3_4_193:notes"/>
+          <p:cNvPr id="233" name="Google Shape;233;g6ae06e64e3_4_116:notes"/>
           <p:cNvSpPr/>
           <p:nvPr>
             <p:ph idx="2" type="sldImg"/>
@@ -2786,7 +2786,7 @@
       </p:sp>
       <p:sp>
         <p:nvSpPr>
-          <p:cNvPr id="233" name="Google Shape;233;g6ae06e64e3_4_193:notes"/>
+          <p:cNvPr id="234" name="Google Shape;234;g6ae06e64e3_4_116:notes"/>
           <p:cNvSpPr txBox="1"/>
           <p:nvPr>
             <p:ph idx="1" type="body"/>
@@ -2836,7 +2836,7 @@
   <p:cSld>
     <p:spTree>
       <p:nvGrpSpPr>
-        <p:cNvPr id="237" name="Shape 237"/>
+        <p:cNvPr id="238" name="Shape 238"/>
         <p:cNvGrpSpPr/>
         <p:nvPr/>
       </p:nvGrpSpPr>
@@ -2850,7 +2850,7 @@
       </p:grpSpPr>
       <p:sp>
         <p:nvSpPr>
-          <p:cNvPr id="238" name="Google Shape;238;g6ae06e64e3_4_116:notes"/>
+          <p:cNvPr id="239" name="Google Shape;239;g6ae2bfc627_0_11:notes"/>
           <p:cNvSpPr/>
           <p:nvPr>
             <p:ph idx="2" type="sldImg"/>
@@ -2885,7 +2885,7 @@
       </p:sp>
       <p:sp>
         <p:nvSpPr>
-          <p:cNvPr id="239" name="Google Shape;239;g6ae06e64e3_4_116:notes"/>
+          <p:cNvPr id="240" name="Google Shape;240;g6ae2bfc627_0_11:notes"/>
           <p:cNvSpPr txBox="1"/>
           <p:nvPr>
             <p:ph idx="1" type="body"/>
@@ -2918,7 +2918,11 @@
             <a:r>
               <a:t/>
             </a:r>
-            <a:endParaRPr/>
+            <a:endParaRPr>
+              <a:solidFill>
+                <a:schemeClr val="dk1"/>
+              </a:solidFill>
+            </a:endParaRPr>
           </a:p>
         </p:txBody>
       </p:sp>
@@ -3034,7 +3038,7 @@
   <p:cSld>
     <p:spTree>
       <p:nvGrpSpPr>
-        <p:cNvPr id="244" name="Shape 244"/>
+        <p:cNvPr id="245" name="Shape 245"/>
         <p:cNvGrpSpPr/>
         <p:nvPr/>
       </p:nvGrpSpPr>
@@ -3048,7 +3052,7 @@
       </p:grpSpPr>
       <p:sp>
         <p:nvSpPr>
-          <p:cNvPr id="245" name="Google Shape;245;g6ae2bfc627_0_11:notes"/>
+          <p:cNvPr id="246" name="Google Shape;246;g6ae2bfc627_0_54:notes"/>
           <p:cNvSpPr/>
           <p:nvPr>
             <p:ph idx="2" type="sldImg"/>
@@ -3083,7 +3087,7 @@
       </p:sp>
       <p:sp>
         <p:nvSpPr>
-          <p:cNvPr id="246" name="Google Shape;246;g6ae2bfc627_0_11:notes"/>
+          <p:cNvPr id="247" name="Google Shape;247;g6ae2bfc627_0_54:notes"/>
           <p:cNvSpPr txBox="1"/>
           <p:nvPr>
             <p:ph idx="1" type="body"/>
@@ -4325,7 +4329,7 @@
   <p:cSld>
     <p:spTree>
       <p:nvGrpSpPr>
-        <p:cNvPr id="78" name="Shape 78"/>
+        <p:cNvPr id="77" name="Shape 77"/>
         <p:cNvGrpSpPr/>
         <p:nvPr/>
       </p:nvGrpSpPr>
@@ -4339,7 +4343,7 @@
       </p:grpSpPr>
       <p:sp>
         <p:nvSpPr>
-          <p:cNvPr id="79" name="Google Shape;79;g6adee832ee_1_17:notes"/>
+          <p:cNvPr id="78" name="Google Shape;78;g6adee832ee_1_17:notes"/>
           <p:cNvSpPr/>
           <p:nvPr>
             <p:ph idx="2" type="sldImg"/>
@@ -4374,7 +4378,7 @@
       </p:sp>
       <p:sp>
         <p:nvSpPr>
-          <p:cNvPr id="80" name="Google Shape;80;g6adee832ee_1_17:notes"/>
+          <p:cNvPr id="79" name="Google Shape;79;g6adee832ee_1_17:notes"/>
           <p:cNvSpPr txBox="1"/>
           <p:nvPr>
             <p:ph idx="1" type="body"/>
@@ -4424,7 +4428,7 @@
   <p:cSld>
     <p:spTree>
       <p:nvGrpSpPr>
-        <p:cNvPr id="86" name="Shape 86"/>
+        <p:cNvPr id="85" name="Shape 85"/>
         <p:cNvGrpSpPr/>
         <p:nvPr/>
       </p:nvGrpSpPr>
@@ -4438,7 +4442,7 @@
       </p:grpSpPr>
       <p:sp>
         <p:nvSpPr>
-          <p:cNvPr id="87" name="Google Shape;87;g6adee832ee_1_27:notes"/>
+          <p:cNvPr id="86" name="Google Shape;86;g6adee832ee_1_27:notes"/>
           <p:cNvSpPr/>
           <p:nvPr>
             <p:ph idx="2" type="sldImg"/>
@@ -4473,7 +4477,7 @@
       </p:sp>
       <p:sp>
         <p:nvSpPr>
-          <p:cNvPr id="88" name="Google Shape;88;g6adee832ee_1_27:notes"/>
+          <p:cNvPr id="87" name="Google Shape;87;g6adee832ee_1_27:notes"/>
           <p:cNvSpPr txBox="1"/>
           <p:nvPr>
             <p:ph idx="1" type="body"/>
@@ -4523,7 +4527,7 @@
   <p:cSld>
     <p:spTree>
       <p:nvGrpSpPr>
-        <p:cNvPr id="94" name="Shape 94"/>
+        <p:cNvPr id="93" name="Shape 93"/>
         <p:cNvGrpSpPr/>
         <p:nvPr/>
       </p:nvGrpSpPr>
@@ -4537,7 +4541,7 @@
       </p:grpSpPr>
       <p:sp>
         <p:nvSpPr>
-          <p:cNvPr id="95" name="Google Shape;95;g6ae06e64e3_2_1:notes"/>
+          <p:cNvPr id="94" name="Google Shape;94;g6ae06e64e3_2_1:notes"/>
           <p:cNvSpPr/>
           <p:nvPr>
             <p:ph idx="2" type="sldImg"/>
@@ -4572,7 +4576,7 @@
       </p:sp>
       <p:sp>
         <p:nvSpPr>
-          <p:cNvPr id="96" name="Google Shape;96;g6ae06e64e3_2_1:notes"/>
+          <p:cNvPr id="95" name="Google Shape;95;g6ae06e64e3_2_1:notes"/>
           <p:cNvSpPr txBox="1"/>
           <p:nvPr>
             <p:ph idx="1" type="body"/>
@@ -4622,7 +4626,7 @@
   <p:cSld>
     <p:spTree>
       <p:nvGrpSpPr>
-        <p:cNvPr id="101" name="Shape 101"/>
+        <p:cNvPr id="100" name="Shape 100"/>
         <p:cNvGrpSpPr/>
         <p:nvPr/>
       </p:nvGrpSpPr>
@@ -4636,7 +4640,7 @@
       </p:grpSpPr>
       <p:sp>
         <p:nvSpPr>
-          <p:cNvPr id="102" name="Google Shape;102;g6adee832ee_0_23:notes"/>
+          <p:cNvPr id="101" name="Google Shape;101;g6adee832ee_0_23:notes"/>
           <p:cNvSpPr/>
           <p:nvPr>
             <p:ph idx="2" type="sldImg"/>
@@ -4671,7 +4675,7 @@
       </p:sp>
       <p:sp>
         <p:nvSpPr>
-          <p:cNvPr id="103" name="Google Shape;103;g6adee832ee_0_23:notes"/>
+          <p:cNvPr id="102" name="Google Shape;102;g6adee832ee_0_23:notes"/>
           <p:cNvSpPr txBox="1"/>
           <p:nvPr>
             <p:ph idx="1" type="body"/>
@@ -4721,7 +4725,7 @@
   <p:cSld>
     <p:spTree>
       <p:nvGrpSpPr>
-        <p:cNvPr id="107" name="Shape 107"/>
+        <p:cNvPr id="106" name="Shape 106"/>
         <p:cNvGrpSpPr/>
         <p:nvPr/>
       </p:nvGrpSpPr>
@@ -4735,7 +4739,7 @@
       </p:grpSpPr>
       <p:sp>
         <p:nvSpPr>
-          <p:cNvPr id="108" name="Google Shape;108;g6adee832ee_2_0:notes"/>
+          <p:cNvPr id="107" name="Google Shape;107;g6adee832ee_2_0:notes"/>
           <p:cNvSpPr/>
           <p:nvPr>
             <p:ph idx="2" type="sldImg"/>
@@ -4770,7 +4774,7 @@
       </p:sp>
       <p:sp>
         <p:nvSpPr>
-          <p:cNvPr id="109" name="Google Shape;109;g6adee832ee_2_0:notes"/>
+          <p:cNvPr id="108" name="Google Shape;108;g6adee832ee_2_0:notes"/>
           <p:cNvSpPr txBox="1"/>
           <p:nvPr>
             <p:ph idx="1" type="body"/>
@@ -9826,7 +9830,7 @@
   <p:cSld>
     <p:spTree>
       <p:nvGrpSpPr>
-        <p:cNvPr id="116" name="Shape 116"/>
+        <p:cNvPr id="115" name="Shape 115"/>
         <p:cNvGrpSpPr/>
         <p:nvPr/>
       </p:nvGrpSpPr>
@@ -9840,7 +9844,7 @@
       </p:grpSpPr>
       <p:sp>
         <p:nvSpPr>
-          <p:cNvPr id="117" name="Google Shape;117;p22"/>
+          <p:cNvPr id="116" name="Google Shape;116;p22"/>
           <p:cNvSpPr txBox="1"/>
           <p:nvPr>
             <p:ph type="title"/>
@@ -9880,7 +9884,7 @@
       </p:sp>
       <p:sp>
         <p:nvSpPr>
-          <p:cNvPr id="118" name="Google Shape;118;p22"/>
+          <p:cNvPr id="117" name="Google Shape;117;p22"/>
           <p:cNvSpPr txBox="1"/>
           <p:nvPr>
             <p:ph idx="1" type="body"/>
@@ -10032,7 +10036,7 @@
       </p:sp>
       <p:pic>
         <p:nvPicPr>
-          <p:cNvPr id="119" name="Google Shape;119;p22"/>
+          <p:cNvPr id="118" name="Google Shape;118;p22"/>
           <p:cNvPicPr preferRelativeResize="0"/>
           <p:nvPr/>
         </p:nvPicPr>
@@ -10060,7 +10064,7 @@
       </p:pic>
       <p:sp>
         <p:nvSpPr>
-          <p:cNvPr id="120" name="Google Shape;120;p22"/>
+          <p:cNvPr id="119" name="Google Shape;119;p22"/>
           <p:cNvSpPr txBox="1"/>
           <p:nvPr>
             <p:ph idx="2" type="body"/>
@@ -10193,7 +10197,7 @@
                   <a:schemeClr val="dk1"/>
                 </a:solidFill>
               </a:rPr>
-              <a:t>Caused by missing data in ‘Time’ column</a:t>
+              <a:t>Caused by missing data in ‘Time’ column —&gt; drop column</a:t>
             </a:r>
             <a:endParaRPr sz="1600">
               <a:solidFill>
@@ -10248,7 +10252,7 @@
                   <a:schemeClr val="dk1"/>
                 </a:solidFill>
               </a:rPr>
-              <a:t>Caused by data entry error </a:t>
+              <a:t>Caused by data entry error  —&gt; drop duplicates</a:t>
             </a:r>
             <a:endParaRPr sz="1600">
               <a:solidFill>
@@ -10260,7 +10264,7 @@
       </p:sp>
       <p:pic>
         <p:nvPicPr>
-          <p:cNvPr id="121" name="Google Shape;121;p22"/>
+          <p:cNvPr id="120" name="Google Shape;120;p22"/>
           <p:cNvPicPr preferRelativeResize="0"/>
           <p:nvPr/>
         </p:nvPicPr>
@@ -10288,7 +10292,7 @@
       </p:pic>
       <p:sp>
         <p:nvSpPr>
-          <p:cNvPr id="122" name="Google Shape;122;p22"/>
+          <p:cNvPr id="121" name="Google Shape;121;p22"/>
           <p:cNvSpPr/>
           <p:nvPr/>
         </p:nvSpPr>
@@ -10352,7 +10356,7 @@
   <p:cSld>
     <p:spTree>
       <p:nvGrpSpPr>
-        <p:cNvPr id="126" name="Shape 126"/>
+        <p:cNvPr id="125" name="Shape 125"/>
         <p:cNvGrpSpPr/>
         <p:nvPr/>
       </p:nvGrpSpPr>
@@ -10366,7 +10370,7 @@
       </p:grpSpPr>
       <p:graphicFrame>
         <p:nvGraphicFramePr>
-          <p:cNvPr id="127" name="Google Shape;127;p23"/>
+          <p:cNvPr id="126" name="Google Shape;126;p23"/>
           <p:cNvGraphicFramePr/>
           <p:nvPr/>
         </p:nvGraphicFramePr>
@@ -10379,7 +10383,7 @@
             <a:tbl>
               <a:tblPr>
                 <a:noFill/>
-                <a:tableStyleId>{E7E0D4D1-B86D-4047-801D-F41032BEA09F}</a:tableStyleId>
+                <a:tableStyleId>{27D09ABA-A50D-43DF-B8F5-7E5FC37073E8}</a:tableStyleId>
               </a:tblPr>
               <a:tblGrid>
                 <a:gridCol w="1722075"/>
@@ -11011,7 +11015,7 @@
       </p:graphicFrame>
       <p:sp>
         <p:nvSpPr>
-          <p:cNvPr id="128" name="Google Shape;128;p23"/>
+          <p:cNvPr id="127" name="Google Shape;127;p23"/>
           <p:cNvSpPr txBox="1"/>
           <p:nvPr>
             <p:ph idx="1" type="body"/>
@@ -11120,7 +11124,7 @@
       </p:sp>
       <p:sp>
         <p:nvSpPr>
-          <p:cNvPr id="129" name="Google Shape;129;p23"/>
+          <p:cNvPr id="128" name="Google Shape;128;p23"/>
           <p:cNvSpPr txBox="1"/>
           <p:nvPr/>
         </p:nvSpPr>
@@ -11190,7 +11194,7 @@
       </p:sp>
       <p:sp>
         <p:nvSpPr>
-          <p:cNvPr id="130" name="Google Shape;130;p23"/>
+          <p:cNvPr id="129" name="Google Shape;129;p23"/>
           <p:cNvSpPr txBox="1"/>
           <p:nvPr>
             <p:ph type="title"/>
@@ -11221,10 +11225,10 @@
               <a:buNone/>
             </a:pPr>
             <a:r>
-              <a:rPr b="1" lang="en-GB"/>
+              <a:rPr lang="en-GB"/>
               <a:t>EDA: Correlation between spray activity and mosquitos</a:t>
             </a:r>
-            <a:endParaRPr b="1"/>
+            <a:endParaRPr/>
           </a:p>
         </p:txBody>
       </p:sp>
@@ -11241,7 +11245,7 @@
   <p:cSld>
     <p:spTree>
       <p:nvGrpSpPr>
-        <p:cNvPr id="134" name="Shape 134"/>
+        <p:cNvPr id="133" name="Shape 133"/>
         <p:cNvGrpSpPr/>
         <p:nvPr/>
       </p:nvGrpSpPr>
@@ -11255,7 +11259,7 @@
       </p:grpSpPr>
       <p:sp>
         <p:nvSpPr>
-          <p:cNvPr id="135" name="Google Shape;135;p24"/>
+          <p:cNvPr id="134" name="Google Shape;134;p24"/>
           <p:cNvSpPr txBox="1"/>
           <p:nvPr>
             <p:ph type="title"/>
@@ -11286,16 +11290,16 @@
               <a:buNone/>
             </a:pPr>
             <a:r>
-              <a:rPr b="1" lang="en-GB"/>
+              <a:rPr lang="en-GB"/>
               <a:t>EDA: spray.csv</a:t>
             </a:r>
-            <a:endParaRPr b="1"/>
+            <a:endParaRPr/>
           </a:p>
         </p:txBody>
       </p:sp>
       <p:sp>
         <p:nvSpPr>
-          <p:cNvPr id="136" name="Google Shape;136;p24"/>
+          <p:cNvPr id="135" name="Google Shape;135;p24"/>
           <p:cNvSpPr txBox="1"/>
           <p:nvPr>
             <p:ph idx="1" type="body"/>
@@ -11427,7 +11431,7 @@
       </p:sp>
       <p:pic>
         <p:nvPicPr>
-          <p:cNvPr id="137" name="Google Shape;137;p24"/>
+          <p:cNvPr id="136" name="Google Shape;136;p24"/>
           <p:cNvPicPr preferRelativeResize="0"/>
           <p:nvPr/>
         </p:nvPicPr>
@@ -11466,7 +11470,7 @@
   <p:cSld>
     <p:spTree>
       <p:nvGrpSpPr>
-        <p:cNvPr id="141" name="Shape 141"/>
+        <p:cNvPr id="140" name="Shape 140"/>
         <p:cNvGrpSpPr/>
         <p:nvPr/>
       </p:nvGrpSpPr>
@@ -11480,7 +11484,7 @@
       </p:grpSpPr>
       <p:pic>
         <p:nvPicPr>
-          <p:cNvPr id="142" name="Google Shape;142;p25"/>
+          <p:cNvPr id="141" name="Google Shape;141;p25"/>
           <p:cNvPicPr preferRelativeResize="0"/>
           <p:nvPr/>
         </p:nvPicPr>
@@ -11508,7 +11512,7 @@
       </p:pic>
       <p:sp>
         <p:nvSpPr>
-          <p:cNvPr id="143" name="Google Shape;143;p25"/>
+          <p:cNvPr id="142" name="Google Shape;142;p25"/>
           <p:cNvSpPr txBox="1"/>
           <p:nvPr>
             <p:ph type="title"/>
@@ -11539,10 +11543,18 @@
               <a:buNone/>
             </a:pPr>
             <a:r>
-              <a:rPr lang="en-GB" sz="2200"/>
+              <a:rPr lang="en-GB" sz="2200">
+                <a:solidFill>
+                  <a:srgbClr val="E69138"/>
+                </a:solidFill>
+              </a:rPr>
               <a:t>Spraying activity was highest in 2013 Sep</a:t>
             </a:r>
-            <a:endParaRPr sz="2200"/>
+            <a:endParaRPr sz="2200">
+              <a:solidFill>
+                <a:srgbClr val="E69138"/>
+              </a:solidFill>
+            </a:endParaRPr>
           </a:p>
           <a:p>
             <a:pPr indent="0" lvl="0" marL="0" rtl="0" algn="l">
@@ -11594,7 +11606,7 @@
   <p:cSld>
     <p:spTree>
       <p:nvGrpSpPr>
-        <p:cNvPr id="147" name="Shape 147"/>
+        <p:cNvPr id="146" name="Shape 146"/>
         <p:cNvGrpSpPr/>
         <p:nvPr/>
       </p:nvGrpSpPr>
@@ -11608,7 +11620,7 @@
       </p:grpSpPr>
       <p:sp>
         <p:nvSpPr>
-          <p:cNvPr id="148" name="Google Shape;148;p26"/>
+          <p:cNvPr id="147" name="Google Shape;147;p26"/>
           <p:cNvSpPr txBox="1"/>
           <p:nvPr>
             <p:ph type="title"/>
@@ -11639,16 +11651,24 @@
               <a:buNone/>
             </a:pPr>
             <a:r>
-              <a:rPr lang="en-GB" sz="2000"/>
+              <a:rPr lang="en-GB" sz="2000">
+                <a:solidFill>
+                  <a:srgbClr val="E69138"/>
+                </a:solidFill>
+              </a:rPr>
               <a:t>Spraying in August did not have noticeable effects</a:t>
             </a:r>
-            <a:endParaRPr sz="2000"/>
+            <a:endParaRPr sz="2000">
+              <a:solidFill>
+                <a:srgbClr val="E69138"/>
+              </a:solidFill>
+            </a:endParaRPr>
           </a:p>
         </p:txBody>
       </p:sp>
       <p:pic>
         <p:nvPicPr>
-          <p:cNvPr id="149" name="Google Shape;149;p26"/>
+          <p:cNvPr id="148" name="Google Shape;148;p26"/>
           <p:cNvPicPr preferRelativeResize="0"/>
           <p:nvPr/>
         </p:nvPicPr>
@@ -11687,7 +11707,7 @@
   <p:cSld>
     <p:spTree>
       <p:nvGrpSpPr>
-        <p:cNvPr id="153" name="Shape 153"/>
+        <p:cNvPr id="152" name="Shape 152"/>
         <p:cNvGrpSpPr/>
         <p:nvPr/>
       </p:nvGrpSpPr>
@@ -11701,7 +11721,7 @@
       </p:grpSpPr>
       <p:pic>
         <p:nvPicPr>
-          <p:cNvPr id="154" name="Google Shape;154;p27"/>
+          <p:cNvPr id="153" name="Google Shape;153;p27"/>
           <p:cNvPicPr preferRelativeResize="0"/>
           <p:nvPr/>
         </p:nvPicPr>
@@ -11729,7 +11749,7 @@
       </p:pic>
       <p:sp>
         <p:nvSpPr>
-          <p:cNvPr id="155" name="Google Shape;155;p27"/>
+          <p:cNvPr id="154" name="Google Shape;154;p27"/>
           <p:cNvSpPr txBox="1"/>
           <p:nvPr/>
         </p:nvSpPr>
@@ -11792,7 +11812,7 @@
   <p:cSld>
     <p:spTree>
       <p:nvGrpSpPr>
-        <p:cNvPr id="159" name="Shape 159"/>
+        <p:cNvPr id="158" name="Shape 158"/>
         <p:cNvGrpSpPr/>
         <p:nvPr/>
       </p:nvGrpSpPr>
@@ -11806,7 +11826,7 @@
       </p:grpSpPr>
       <p:pic>
         <p:nvPicPr>
-          <p:cNvPr id="160" name="Google Shape;160;p28"/>
+          <p:cNvPr id="159" name="Google Shape;159;p28"/>
           <p:cNvPicPr preferRelativeResize="0"/>
           <p:nvPr/>
         </p:nvPicPr>
@@ -11834,7 +11854,7 @@
       </p:pic>
       <p:sp>
         <p:nvSpPr>
-          <p:cNvPr id="161" name="Google Shape;161;p28"/>
+          <p:cNvPr id="160" name="Google Shape;160;p28"/>
           <p:cNvSpPr txBox="1"/>
           <p:nvPr/>
         </p:nvSpPr>
@@ -11897,7 +11917,7 @@
   <p:cSld>
     <p:spTree>
       <p:nvGrpSpPr>
-        <p:cNvPr id="165" name="Shape 165"/>
+        <p:cNvPr id="164" name="Shape 164"/>
         <p:cNvGrpSpPr/>
         <p:nvPr/>
       </p:nvGrpSpPr>
@@ -11911,7 +11931,7 @@
       </p:grpSpPr>
       <p:pic>
         <p:nvPicPr>
-          <p:cNvPr id="166" name="Google Shape;166;p29"/>
+          <p:cNvPr id="165" name="Google Shape;165;p29"/>
           <p:cNvPicPr preferRelativeResize="0"/>
           <p:nvPr/>
         </p:nvPicPr>
@@ -11939,7 +11959,7 @@
       </p:pic>
       <p:sp>
         <p:nvSpPr>
-          <p:cNvPr id="167" name="Google Shape;167;p29"/>
+          <p:cNvPr id="166" name="Google Shape;166;p29"/>
           <p:cNvSpPr txBox="1"/>
           <p:nvPr/>
         </p:nvSpPr>
@@ -12002,7 +12022,7 @@
   <p:cSld>
     <p:spTree>
       <p:nvGrpSpPr>
-        <p:cNvPr id="171" name="Shape 171"/>
+        <p:cNvPr id="170" name="Shape 170"/>
         <p:cNvGrpSpPr/>
         <p:nvPr/>
       </p:nvGrpSpPr>
@@ -12016,7 +12036,7 @@
       </p:grpSpPr>
       <p:pic>
         <p:nvPicPr>
-          <p:cNvPr id="172" name="Google Shape;172;p30"/>
+          <p:cNvPr id="171" name="Google Shape;171;p30"/>
           <p:cNvPicPr preferRelativeResize="0"/>
           <p:nvPr/>
         </p:nvPicPr>
@@ -12044,7 +12064,7 @@
       </p:pic>
       <p:sp>
         <p:nvSpPr>
-          <p:cNvPr id="173" name="Google Shape;173;p30"/>
+          <p:cNvPr id="172" name="Google Shape;172;p30"/>
           <p:cNvSpPr txBox="1"/>
           <p:nvPr/>
         </p:nvSpPr>
@@ -12107,7 +12127,7 @@
   <p:cSld>
     <p:spTree>
       <p:nvGrpSpPr>
-        <p:cNvPr id="177" name="Shape 177"/>
+        <p:cNvPr id="176" name="Shape 176"/>
         <p:cNvGrpSpPr/>
         <p:nvPr/>
       </p:nvGrpSpPr>
@@ -12121,7 +12141,7 @@
       </p:grpSpPr>
       <p:pic>
         <p:nvPicPr>
-          <p:cNvPr id="178" name="Google Shape;178;p31"/>
+          <p:cNvPr id="177" name="Google Shape;177;p31"/>
           <p:cNvPicPr preferRelativeResize="0"/>
           <p:nvPr/>
         </p:nvPicPr>
@@ -12149,7 +12169,7 @@
       </p:pic>
       <p:sp>
         <p:nvSpPr>
-          <p:cNvPr id="179" name="Google Shape;179;p31"/>
+          <p:cNvPr id="178" name="Google Shape;178;p31"/>
           <p:cNvSpPr txBox="1"/>
           <p:nvPr/>
         </p:nvSpPr>
@@ -12201,7 +12221,7 @@
       </p:sp>
       <p:sp>
         <p:nvSpPr>
-          <p:cNvPr id="180" name="Google Shape;180;p31"/>
+          <p:cNvPr id="179" name="Google Shape;179;p31"/>
           <p:cNvSpPr txBox="1"/>
           <p:nvPr/>
         </p:nvSpPr>
@@ -12631,7 +12651,7 @@
   <p:cSld>
     <p:spTree>
       <p:nvGrpSpPr>
-        <p:cNvPr id="184" name="Shape 184"/>
+        <p:cNvPr id="183" name="Shape 183"/>
         <p:cNvGrpSpPr/>
         <p:nvPr/>
       </p:nvGrpSpPr>
@@ -12645,7 +12665,7 @@
       </p:grpSpPr>
       <p:sp>
         <p:nvSpPr>
-          <p:cNvPr id="185" name="Google Shape;185;p32"/>
+          <p:cNvPr id="184" name="Google Shape;184;p32"/>
           <p:cNvSpPr txBox="1"/>
           <p:nvPr>
             <p:ph type="title"/>
@@ -12683,9 +12703,249 @@
           </a:p>
         </p:txBody>
       </p:sp>
+      <p:sp>
+        <p:nvSpPr>
+          <p:cNvPr id="185" name="Google Shape;185;p32"/>
+          <p:cNvSpPr txBox="1"/>
+          <p:nvPr>
+            <p:ph idx="1" type="body"/>
+          </p:nvPr>
+        </p:nvSpPr>
+        <p:spPr>
+          <a:xfrm>
+            <a:off x="311700" y="981075"/>
+            <a:ext cx="6170700" cy="1451100"/>
+          </a:xfrm>
+          <a:prstGeom prst="rect">
+            <a:avLst/>
+          </a:prstGeom>
+        </p:spPr>
+        <p:txBody>
+          <a:bodyPr anchorCtr="0" anchor="t" bIns="91425" lIns="91425" spcFirstLastPara="1" rIns="91425" wrap="square" tIns="91425">
+            <a:noAutofit/>
+          </a:bodyPr>
+          <a:lstStyle/>
+          <a:p>
+            <a:pPr indent="-342900" lvl="0" marL="457200" rtl="0" algn="l">
+              <a:lnSpc>
+                <a:spcPct val="90000"/>
+              </a:lnSpc>
+              <a:spcBef>
+                <a:spcPts val="1200"/>
+              </a:spcBef>
+              <a:spcAft>
+                <a:spcPts val="0"/>
+              </a:spcAft>
+              <a:buClr>
+                <a:schemeClr val="dk1"/>
+              </a:buClr>
+              <a:buSzPts val="1800"/>
+              <a:buChar char="●"/>
+            </a:pPr>
+            <a:r>
+              <a:rPr lang="en-GB" sz="1800">
+                <a:solidFill>
+                  <a:schemeClr val="dk1"/>
+                </a:solidFill>
+              </a:rPr>
+              <a:t>Daily records May-Oct, 2007 -2014</a:t>
+            </a:r>
+            <a:endParaRPr sz="1800">
+              <a:solidFill>
+                <a:schemeClr val="dk1"/>
+              </a:solidFill>
+            </a:endParaRPr>
+          </a:p>
+          <a:p>
+            <a:pPr indent="-342900" lvl="0" marL="457200" rtl="0" algn="l">
+              <a:lnSpc>
+                <a:spcPct val="90000"/>
+              </a:lnSpc>
+              <a:spcBef>
+                <a:spcPts val="0"/>
+              </a:spcBef>
+              <a:spcAft>
+                <a:spcPts val="0"/>
+              </a:spcAft>
+              <a:buClr>
+                <a:schemeClr val="dk1"/>
+              </a:buClr>
+              <a:buSzPts val="1800"/>
+              <a:buChar char="●"/>
+            </a:pPr>
+            <a:r>
+              <a:rPr lang="en-GB" sz="1800">
+                <a:solidFill>
+                  <a:schemeClr val="dk1"/>
+                </a:solidFill>
+              </a:rPr>
+              <a:t>2 weather stations</a:t>
+            </a:r>
+            <a:endParaRPr sz="1800">
+              <a:solidFill>
+                <a:schemeClr val="dk1"/>
+              </a:solidFill>
+            </a:endParaRPr>
+          </a:p>
+          <a:p>
+            <a:pPr indent="-342900" lvl="0" marL="457200" rtl="0" algn="l">
+              <a:lnSpc>
+                <a:spcPct val="90000"/>
+              </a:lnSpc>
+              <a:spcBef>
+                <a:spcPts val="0"/>
+              </a:spcBef>
+              <a:spcAft>
+                <a:spcPts val="0"/>
+              </a:spcAft>
+              <a:buClr>
+                <a:schemeClr val="dk1"/>
+              </a:buClr>
+              <a:buSzPts val="1800"/>
+              <a:buChar char="●"/>
+            </a:pPr>
+            <a:r>
+              <a:rPr lang="en-GB" sz="1800">
+                <a:solidFill>
+                  <a:schemeClr val="dk1"/>
+                </a:solidFill>
+              </a:rPr>
+              <a:t>2944 rows, 22 columns</a:t>
+            </a:r>
+            <a:endParaRPr sz="1800">
+              <a:solidFill>
+                <a:schemeClr val="dk1"/>
+              </a:solidFill>
+            </a:endParaRPr>
+          </a:p>
+          <a:p>
+            <a:pPr indent="-342900" lvl="0" marL="457200" rtl="0" algn="l">
+              <a:lnSpc>
+                <a:spcPct val="90000"/>
+              </a:lnSpc>
+              <a:spcBef>
+                <a:spcPts val="0"/>
+              </a:spcBef>
+              <a:spcAft>
+                <a:spcPts val="0"/>
+              </a:spcAft>
+              <a:buClr>
+                <a:schemeClr val="dk1"/>
+              </a:buClr>
+              <a:buSzPts val="1800"/>
+              <a:buChar char="●"/>
+            </a:pPr>
+            <a:r>
+              <a:rPr lang="en-GB" sz="1800">
+                <a:solidFill>
+                  <a:schemeClr val="dk1"/>
+                </a:solidFill>
+              </a:rPr>
+              <a:t>No duplicate rows</a:t>
+            </a:r>
+            <a:endParaRPr sz="1600">
+              <a:solidFill>
+                <a:srgbClr val="000000"/>
+              </a:solidFill>
+            </a:endParaRPr>
+          </a:p>
+        </p:txBody>
+      </p:sp>
       <p:pic>
         <p:nvPicPr>
           <p:cNvPr id="186" name="Google Shape;186;p32"/>
+          <p:cNvPicPr preferRelativeResize="0"/>
+          <p:nvPr/>
+        </p:nvPicPr>
+        <p:blipFill rotWithShape="1">
+          <a:blip r:embed="rId3">
+            <a:alphaModFix/>
+          </a:blip>
+          <a:srcRect b="0" l="25980" r="0" t="0"/>
+          <a:stretch/>
+        </p:blipFill>
+        <p:spPr>
+          <a:xfrm>
+            <a:off x="4408425" y="1685250"/>
+            <a:ext cx="4423876" cy="3271100"/>
+          </a:xfrm>
+          <a:prstGeom prst="rect">
+            <a:avLst/>
+          </a:prstGeom>
+          <a:noFill/>
+          <a:ln>
+            <a:noFill/>
+          </a:ln>
+        </p:spPr>
+      </p:pic>
+    </p:spTree>
+  </p:cSld>
+  <p:clrMapOvr>
+    <a:masterClrMapping/>
+  </p:clrMapOvr>
+</p:sld>
+</file>
+
+<file path=ppt/slides/slide21.xml><?xml version="1.0" encoding="utf-8"?>
+<p:sld xmlns:a="http://schemas.openxmlformats.org/drawingml/2006/main" xmlns:r="http://schemas.openxmlformats.org/officeDocument/2006/relationships" xmlns:mc="http://schemas.openxmlformats.org/markup-compatibility/2006" xmlns:mv="urn:schemas-microsoft-com:mac:vml" xmlns:p="http://schemas.openxmlformats.org/presentationml/2006/main" xmlns:c="http://schemas.openxmlformats.org/drawingml/2006/chart" xmlns:dgm="http://schemas.openxmlformats.org/drawingml/2006/diagram" xmlns:o="urn:schemas-microsoft-com:office:office" xmlns:v="urn:schemas-microsoft-com:vml" xmlns:pvml="urn:schemas-microsoft-com:office:powerpoint" xmlns:com="http://schemas.openxmlformats.org/drawingml/2006/compatibility" xmlns:p14="http://schemas.microsoft.com/office/powerpoint/2010/main" xmlns:p15="http://schemas.microsoft.com/office/powerpoint/2012/main">
+  <p:cSld>
+    <p:spTree>
+      <p:nvGrpSpPr>
+        <p:cNvPr id="190" name="Shape 190"/>
+        <p:cNvGrpSpPr/>
+        <p:nvPr/>
+      </p:nvGrpSpPr>
+      <p:grpSpPr>
+        <a:xfrm>
+          <a:off x="0" y="0"/>
+          <a:ext cx="0" cy="0"/>
+          <a:chOff x="0" y="0"/>
+          <a:chExt cx="0" cy="0"/>
+        </a:xfrm>
+      </p:grpSpPr>
+      <p:sp>
+        <p:nvSpPr>
+          <p:cNvPr id="191" name="Google Shape;191;p33"/>
+          <p:cNvSpPr txBox="1"/>
+          <p:nvPr>
+            <p:ph type="title"/>
+          </p:nvPr>
+        </p:nvSpPr>
+        <p:spPr>
+          <a:xfrm>
+            <a:off x="311700" y="445025"/>
+            <a:ext cx="8520600" cy="572700"/>
+          </a:xfrm>
+          <a:prstGeom prst="rect">
+            <a:avLst/>
+          </a:prstGeom>
+        </p:spPr>
+        <p:txBody>
+          <a:bodyPr anchorCtr="0" anchor="t" bIns="91425" lIns="91425" spcFirstLastPara="1" rIns="91425" wrap="square" tIns="91425">
+            <a:noAutofit/>
+          </a:bodyPr>
+          <a:lstStyle/>
+          <a:p>
+            <a:pPr indent="0" lvl="0" marL="0" rtl="0" algn="l">
+              <a:spcBef>
+                <a:spcPts val="0"/>
+              </a:spcBef>
+              <a:spcAft>
+                <a:spcPts val="0"/>
+              </a:spcAft>
+              <a:buNone/>
+            </a:pPr>
+            <a:r>
+              <a:rPr lang="en-GB"/>
+              <a:t>EDA: weather.csv</a:t>
+            </a:r>
+            <a:endParaRPr/>
+          </a:p>
+        </p:txBody>
+      </p:sp>
+      <p:pic>
+        <p:nvPicPr>
+          <p:cNvPr id="192" name="Google Shape;192;p33"/>
           <p:cNvPicPr preferRelativeResize="0"/>
           <p:nvPr/>
         </p:nvPicPr>
@@ -12699,7 +12959,7 @@
         </p:blipFill>
         <p:spPr>
           <a:xfrm>
-            <a:off x="408325" y="4038600"/>
+            <a:off x="408325" y="4114800"/>
             <a:ext cx="4265400" cy="492850"/>
           </a:xfrm>
           <a:prstGeom prst="rect">
@@ -12713,7 +12973,7 @@
       </p:pic>
       <p:pic>
         <p:nvPicPr>
-          <p:cNvPr id="187" name="Google Shape;187;p32"/>
+          <p:cNvPr id="193" name="Google Shape;193;p33"/>
           <p:cNvPicPr preferRelativeResize="0"/>
           <p:nvPr/>
         </p:nvPicPr>
@@ -12726,258 +12986,8 @@
         </p:blipFill>
         <p:spPr>
           <a:xfrm>
-            <a:off x="408337" y="2995200"/>
+            <a:off x="408337" y="3109500"/>
             <a:ext cx="6074162" cy="572700"/>
-          </a:xfrm>
-          <a:prstGeom prst="rect">
-            <a:avLst/>
-          </a:prstGeom>
-          <a:noFill/>
-          <a:ln>
-            <a:noFill/>
-          </a:ln>
-        </p:spPr>
-      </p:pic>
-      <p:sp>
-        <p:nvSpPr>
-          <p:cNvPr id="188" name="Google Shape;188;p32"/>
-          <p:cNvSpPr txBox="1"/>
-          <p:nvPr>
-            <p:ph idx="1" type="body"/>
-          </p:nvPr>
-        </p:nvSpPr>
-        <p:spPr>
-          <a:xfrm>
-            <a:off x="311700" y="1057275"/>
-            <a:ext cx="5809200" cy="3416400"/>
-          </a:xfrm>
-          <a:prstGeom prst="rect">
-            <a:avLst/>
-          </a:prstGeom>
-        </p:spPr>
-        <p:txBody>
-          <a:bodyPr anchorCtr="0" anchor="t" bIns="91425" lIns="91425" spcFirstLastPara="1" rIns="91425" wrap="square" tIns="91425">
-            <a:noAutofit/>
-          </a:bodyPr>
-          <a:lstStyle/>
-          <a:p>
-            <a:pPr indent="-342900" lvl="0" marL="457200" rtl="0" algn="l">
-              <a:lnSpc>
-                <a:spcPct val="90000"/>
-              </a:lnSpc>
-              <a:spcBef>
-                <a:spcPts val="1200"/>
-              </a:spcBef>
-              <a:spcAft>
-                <a:spcPts val="0"/>
-              </a:spcAft>
-              <a:buClr>
-                <a:schemeClr val="dk1"/>
-              </a:buClr>
-              <a:buSzPts val="1800"/>
-              <a:buChar char="●"/>
-            </a:pPr>
-            <a:r>
-              <a:rPr lang="en-GB" sz="1800">
-                <a:solidFill>
-                  <a:schemeClr val="dk1"/>
-                </a:solidFill>
-              </a:rPr>
-              <a:t>2944 rows, 22 columns</a:t>
-            </a:r>
-            <a:endParaRPr sz="1800">
-              <a:solidFill>
-                <a:schemeClr val="dk1"/>
-              </a:solidFill>
-            </a:endParaRPr>
-          </a:p>
-          <a:p>
-            <a:pPr indent="-342900" lvl="0" marL="457200" rtl="0" algn="l">
-              <a:lnSpc>
-                <a:spcPct val="90000"/>
-              </a:lnSpc>
-              <a:spcBef>
-                <a:spcPts val="0"/>
-              </a:spcBef>
-              <a:spcAft>
-                <a:spcPts val="0"/>
-              </a:spcAft>
-              <a:buClr>
-                <a:schemeClr val="dk1"/>
-              </a:buClr>
-              <a:buSzPts val="1800"/>
-              <a:buChar char="●"/>
-            </a:pPr>
-            <a:r>
-              <a:rPr lang="en-GB" sz="1800">
-                <a:solidFill>
-                  <a:schemeClr val="dk1"/>
-                </a:solidFill>
-              </a:rPr>
-              <a:t>No duplicate rows</a:t>
-            </a:r>
-            <a:endParaRPr sz="1800">
-              <a:solidFill>
-                <a:schemeClr val="dk1"/>
-              </a:solidFill>
-            </a:endParaRPr>
-          </a:p>
-          <a:p>
-            <a:pPr indent="-342900" lvl="0" marL="457200" rtl="0" algn="l">
-              <a:spcBef>
-                <a:spcPts val="0"/>
-              </a:spcBef>
-              <a:spcAft>
-                <a:spcPts val="0"/>
-              </a:spcAft>
-              <a:buClr>
-                <a:schemeClr val="dk1"/>
-              </a:buClr>
-              <a:buSzPts val="1800"/>
-              <a:buChar char="●"/>
-            </a:pPr>
-            <a:r>
-              <a:rPr lang="en-GB" sz="1800">
-                <a:solidFill>
-                  <a:schemeClr val="dk1"/>
-                </a:solidFill>
-              </a:rPr>
-              <a:t>Daily records May-Oct, 2007 -2014 from 2 weather station</a:t>
-            </a:r>
-            <a:endParaRPr>
-              <a:solidFill>
-                <a:srgbClr val="000000"/>
-              </a:solidFill>
-            </a:endParaRPr>
-          </a:p>
-          <a:p>
-            <a:pPr indent="0" lvl="0" marL="0" rtl="0" algn="l">
-              <a:spcBef>
-                <a:spcPts val="1600"/>
-              </a:spcBef>
-              <a:spcAft>
-                <a:spcPts val="0"/>
-              </a:spcAft>
-              <a:buNone/>
-            </a:pPr>
-            <a:r>
-              <a:rPr b="1" lang="en-GB" sz="1600">
-                <a:solidFill>
-                  <a:srgbClr val="000000"/>
-                </a:solidFill>
-              </a:rPr>
-              <a:t>Missing values represented by M:</a:t>
-            </a:r>
-            <a:r>
-              <a:rPr lang="en-GB" sz="1600">
-                <a:solidFill>
-                  <a:srgbClr val="000000"/>
-                </a:solidFill>
-              </a:rPr>
-              <a:t> drop</a:t>
-            </a:r>
-            <a:endParaRPr>
-              <a:solidFill>
-                <a:srgbClr val="000000"/>
-              </a:solidFill>
-            </a:endParaRPr>
-          </a:p>
-          <a:p>
-            <a:pPr indent="0" lvl="0" marL="0" rtl="0" algn="l">
-              <a:spcBef>
-                <a:spcPts val="1600"/>
-              </a:spcBef>
-              <a:spcAft>
-                <a:spcPts val="0"/>
-              </a:spcAft>
-              <a:buNone/>
-            </a:pPr>
-            <a:r>
-              <a:t/>
-            </a:r>
-            <a:endParaRPr>
-              <a:solidFill>
-                <a:srgbClr val="000000"/>
-              </a:solidFill>
-            </a:endParaRPr>
-          </a:p>
-          <a:p>
-            <a:pPr indent="0" lvl="0" marL="0" rtl="0" algn="l">
-              <a:spcBef>
-                <a:spcPts val="1600"/>
-              </a:spcBef>
-              <a:spcAft>
-                <a:spcPts val="1600"/>
-              </a:spcAft>
-              <a:buNone/>
-            </a:pPr>
-            <a:r>
-              <a:rPr b="1" lang="en-GB" sz="1600">
-                <a:solidFill>
-                  <a:srgbClr val="000000"/>
-                </a:solidFill>
-              </a:rPr>
-              <a:t>Trace values represented by T:</a:t>
-            </a:r>
-            <a:r>
-              <a:rPr lang="en-GB" sz="1600">
-                <a:solidFill>
-                  <a:srgbClr val="000000"/>
-                </a:solidFill>
-              </a:rPr>
-              <a:t> replace with 0</a:t>
-            </a:r>
-            <a:endParaRPr sz="1600">
-              <a:solidFill>
-                <a:srgbClr val="000000"/>
-              </a:solidFill>
-            </a:endParaRPr>
-          </a:p>
-        </p:txBody>
-      </p:sp>
-    </p:spTree>
-  </p:cSld>
-  <p:clrMapOvr>
-    <a:masterClrMapping/>
-  </p:clrMapOvr>
-</p:sld>
-</file>
-
-<file path=ppt/slides/slide21.xml><?xml version="1.0" encoding="utf-8"?>
-<p:sld xmlns:a="http://schemas.openxmlformats.org/drawingml/2006/main" xmlns:r="http://schemas.openxmlformats.org/officeDocument/2006/relationships" xmlns:mc="http://schemas.openxmlformats.org/markup-compatibility/2006" xmlns:mv="urn:schemas-microsoft-com:mac:vml" xmlns:p="http://schemas.openxmlformats.org/presentationml/2006/main" xmlns:c="http://schemas.openxmlformats.org/drawingml/2006/chart" xmlns:dgm="http://schemas.openxmlformats.org/drawingml/2006/diagram" xmlns:o="urn:schemas-microsoft-com:office:office" xmlns:v="urn:schemas-microsoft-com:vml" xmlns:pvml="urn:schemas-microsoft-com:office:powerpoint" xmlns:com="http://schemas.openxmlformats.org/drawingml/2006/compatibility" xmlns:p14="http://schemas.microsoft.com/office/powerpoint/2010/main" xmlns:p15="http://schemas.microsoft.com/office/powerpoint/2012/main">
-  <p:cSld>
-    <p:spTree>
-      <p:nvGrpSpPr>
-        <p:cNvPr id="192" name="Shape 192"/>
-        <p:cNvGrpSpPr/>
-        <p:nvPr/>
-      </p:nvGrpSpPr>
-      <p:grpSpPr>
-        <a:xfrm>
-          <a:off x="0" y="0"/>
-          <a:ext cx="0" cy="0"/>
-          <a:chOff x="0" y="0"/>
-          <a:chExt cx="0" cy="0"/>
-        </a:xfrm>
-      </p:grpSpPr>
-      <p:pic>
-        <p:nvPicPr>
-          <p:cNvPr id="193" name="Google Shape;193;p33"/>
-          <p:cNvPicPr preferRelativeResize="0"/>
-          <p:nvPr/>
-        </p:nvPicPr>
-        <p:blipFill>
-          <a:blip r:embed="rId3">
-            <a:alphaModFix/>
-          </a:blip>
-          <a:stretch>
-            <a:fillRect/>
-          </a:stretch>
-        </p:blipFill>
-        <p:spPr>
-          <a:xfrm>
-            <a:off x="2878318" y="0"/>
-            <a:ext cx="6177207" cy="5143501"/>
           </a:xfrm>
           <a:prstGeom prst="rect">
             <a:avLst/>
@@ -12993,13 +13003,13 @@
           <p:cNvPr id="194" name="Google Shape;194;p33"/>
           <p:cNvSpPr txBox="1"/>
           <p:nvPr>
-            <p:ph type="title"/>
+            <p:ph idx="1" type="body"/>
           </p:nvPr>
         </p:nvSpPr>
         <p:spPr>
           <a:xfrm>
-            <a:off x="83100" y="2092850"/>
-            <a:ext cx="2474100" cy="1167900"/>
+            <a:off x="311700" y="981075"/>
+            <a:ext cx="6170700" cy="3416400"/>
           </a:xfrm>
           <a:prstGeom prst="rect">
             <a:avLst/>
@@ -13011,6 +13021,130 @@
           </a:bodyPr>
           <a:lstStyle/>
           <a:p>
+            <a:pPr indent="-342900" lvl="0" marL="457200" rtl="0" algn="l">
+              <a:lnSpc>
+                <a:spcPct val="90000"/>
+              </a:lnSpc>
+              <a:spcBef>
+                <a:spcPts val="1200"/>
+              </a:spcBef>
+              <a:spcAft>
+                <a:spcPts val="0"/>
+              </a:spcAft>
+              <a:buClr>
+                <a:schemeClr val="dk1"/>
+              </a:buClr>
+              <a:buSzPts val="1800"/>
+              <a:buChar char="●"/>
+            </a:pPr>
+            <a:r>
+              <a:rPr lang="en-GB" sz="1800">
+                <a:solidFill>
+                  <a:schemeClr val="dk1"/>
+                </a:solidFill>
+              </a:rPr>
+              <a:t>Daily records May-Oct, 2007 -2014</a:t>
+            </a:r>
+            <a:endParaRPr sz="1800">
+              <a:solidFill>
+                <a:schemeClr val="dk1"/>
+              </a:solidFill>
+            </a:endParaRPr>
+          </a:p>
+          <a:p>
+            <a:pPr indent="-342900" lvl="0" marL="457200" rtl="0" algn="l">
+              <a:lnSpc>
+                <a:spcPct val="90000"/>
+              </a:lnSpc>
+              <a:spcBef>
+                <a:spcPts val="0"/>
+              </a:spcBef>
+              <a:spcAft>
+                <a:spcPts val="0"/>
+              </a:spcAft>
+              <a:buClr>
+                <a:schemeClr val="dk1"/>
+              </a:buClr>
+              <a:buSzPts val="1800"/>
+              <a:buChar char="●"/>
+            </a:pPr>
+            <a:r>
+              <a:rPr lang="en-GB" sz="1800">
+                <a:solidFill>
+                  <a:schemeClr val="dk1"/>
+                </a:solidFill>
+              </a:rPr>
+              <a:t>2 weather stations</a:t>
+            </a:r>
+            <a:endParaRPr sz="1800">
+              <a:solidFill>
+                <a:schemeClr val="dk1"/>
+              </a:solidFill>
+            </a:endParaRPr>
+          </a:p>
+          <a:p>
+            <a:pPr indent="-342900" lvl="0" marL="457200" rtl="0" algn="l">
+              <a:lnSpc>
+                <a:spcPct val="90000"/>
+              </a:lnSpc>
+              <a:spcBef>
+                <a:spcPts val="0"/>
+              </a:spcBef>
+              <a:spcAft>
+                <a:spcPts val="0"/>
+              </a:spcAft>
+              <a:buClr>
+                <a:schemeClr val="dk1"/>
+              </a:buClr>
+              <a:buSzPts val="1800"/>
+              <a:buChar char="●"/>
+            </a:pPr>
+            <a:r>
+              <a:rPr lang="en-GB" sz="1800">
+                <a:solidFill>
+                  <a:schemeClr val="dk1"/>
+                </a:solidFill>
+              </a:rPr>
+              <a:t>2944 rows, 22 columns</a:t>
+            </a:r>
+            <a:endParaRPr sz="1800">
+              <a:solidFill>
+                <a:schemeClr val="dk1"/>
+              </a:solidFill>
+            </a:endParaRPr>
+          </a:p>
+          <a:p>
+            <a:pPr indent="-342900" lvl="0" marL="457200" rtl="0" algn="l">
+              <a:lnSpc>
+                <a:spcPct val="90000"/>
+              </a:lnSpc>
+              <a:spcBef>
+                <a:spcPts val="0"/>
+              </a:spcBef>
+              <a:spcAft>
+                <a:spcPts val="0"/>
+              </a:spcAft>
+              <a:buClr>
+                <a:schemeClr val="dk1"/>
+              </a:buClr>
+              <a:buSzPts val="1800"/>
+              <a:buChar char="●"/>
+            </a:pPr>
+            <a:r>
+              <a:rPr lang="en-GB" sz="1800">
+                <a:solidFill>
+                  <a:schemeClr val="dk1"/>
+                </a:solidFill>
+              </a:rPr>
+              <a:t>No duplicate rows</a:t>
+            </a:r>
+            <a:endParaRPr sz="1800">
+              <a:solidFill>
+                <a:schemeClr val="dk1"/>
+              </a:solidFill>
+            </a:endParaRPr>
+          </a:p>
+          <a:p>
             <a:pPr indent="0" lvl="0" marL="0" rtl="0" algn="l">
               <a:spcBef>
                 <a:spcPts val="0"/>
@@ -13021,36 +13155,96 @@
               <a:buNone/>
             </a:pPr>
             <a:r>
-              <a:rPr lang="en-GB" sz="1500">
-                <a:latin typeface="Average"/>
-                <a:ea typeface="Average"/>
-                <a:cs typeface="Average"/>
-                <a:sym typeface="Average"/>
+              <a:t/>
+            </a:r>
+            <a:endParaRPr sz="1800">
+              <a:solidFill>
+                <a:schemeClr val="dk1"/>
+              </a:solidFill>
+            </a:endParaRPr>
+          </a:p>
+          <a:p>
+            <a:pPr indent="0" lvl="0" marL="0" rtl="0" algn="l">
+              <a:spcBef>
+                <a:spcPts val="1600"/>
+              </a:spcBef>
+              <a:spcAft>
+                <a:spcPts val="0"/>
+              </a:spcAft>
+              <a:buNone/>
+            </a:pPr>
+            <a:r>
+              <a:rPr b="1" lang="en-GB" sz="1600">
+                <a:solidFill>
+                  <a:srgbClr val="000000"/>
+                </a:solidFill>
               </a:rPr>
-              <a:t>Revisiting the heatmap</a:t>
-            </a:r>
-            <a:endParaRPr sz="1500">
-              <a:latin typeface="Average"/>
-              <a:ea typeface="Average"/>
-              <a:cs typeface="Average"/>
-              <a:sym typeface="Average"/>
+              <a:t>Missing values represented by M:</a:t>
+            </a:r>
+            <a:r>
+              <a:rPr lang="en-GB" sz="1600">
+                <a:solidFill>
+                  <a:srgbClr val="000000"/>
+                </a:solidFill>
+              </a:rPr>
+              <a:t> drop</a:t>
+            </a:r>
+            <a:endParaRPr>
+              <a:solidFill>
+                <a:srgbClr val="000000"/>
+              </a:solidFill>
             </a:endParaRPr>
           </a:p>
           <a:p>
             <a:pPr indent="0" lvl="0" marL="0" rtl="0" algn="l">
               <a:spcBef>
-                <a:spcPts val="0"/>
-              </a:spcBef>
-              <a:spcAft>
-                <a:spcPts val="0"/>
-              </a:spcAft>
-              <a:buNone/>
-            </a:pPr>
-            <a:r>
-              <a:rPr lang="en-GB" sz="2000"/>
-              <a:t>WNV most prevalent in Aug - Sep</a:t>
-            </a:r>
-            <a:endParaRPr sz="2000"/>
+                <a:spcPts val="1600"/>
+              </a:spcBef>
+              <a:spcAft>
+                <a:spcPts val="0"/>
+              </a:spcAft>
+              <a:buNone/>
+            </a:pPr>
+            <a:r>
+              <a:t/>
+            </a:r>
+            <a:endParaRPr>
+              <a:solidFill>
+                <a:srgbClr val="000000"/>
+              </a:solidFill>
+            </a:endParaRPr>
+          </a:p>
+          <a:p>
+            <a:pPr indent="0" lvl="0" marL="0" rtl="0" algn="l">
+              <a:spcBef>
+                <a:spcPts val="1600"/>
+              </a:spcBef>
+              <a:spcAft>
+                <a:spcPts val="1600"/>
+              </a:spcAft>
+              <a:buNone/>
+            </a:pPr>
+            <a:r>
+              <a:rPr b="1" lang="en-GB" sz="1600">
+                <a:solidFill>
+                  <a:srgbClr val="000000"/>
+                </a:solidFill>
+              </a:rPr>
+              <a:t>Trace values represented by T:</a:t>
+            </a:r>
+            <a:r>
+              <a:rPr lang="en-GB" sz="1600">
+                <a:solidFill>
+                  <a:srgbClr val="000000"/>
+                </a:solidFill>
+              </a:rPr>
+              <a:t> replace with 0</a:t>
+            </a:r>
+            <a:endParaRPr sz="1600">
+              <a:solidFill>
+                <a:srgbClr val="000000"/>
+              </a:solidFill>
+            </a:endParaRPr>
           </a:p>
         </p:txBody>
       </p:sp>
@@ -13095,8 +13289,8 @@
         </p:blipFill>
         <p:spPr>
           <a:xfrm>
-            <a:off x="-1" y="0"/>
-            <a:ext cx="6760153" cy="5143499"/>
+            <a:off x="2878318" y="0"/>
+            <a:ext cx="6177207" cy="5143501"/>
           </a:xfrm>
           <a:prstGeom prst="rect">
             <a:avLst/>
@@ -13117,8 +13311,8 @@
         </p:nvSpPr>
         <p:spPr>
           <a:xfrm>
-            <a:off x="6864925" y="2111900"/>
-            <a:ext cx="2072100" cy="572700"/>
+            <a:off x="83100" y="2092850"/>
+            <a:ext cx="2474100" cy="1167900"/>
           </a:xfrm>
           <a:prstGeom prst="rect">
             <a:avLst/>
@@ -13140,10 +13334,44 @@
               <a:buNone/>
             </a:pPr>
             <a:r>
-              <a:rPr lang="en-GB" sz="2400"/>
-              <a:t>Likely effects of weather</a:t>
-            </a:r>
-            <a:endParaRPr sz="2400"/>
+              <a:rPr lang="en-GB" sz="1500">
+                <a:latin typeface="Average"/>
+                <a:ea typeface="Average"/>
+                <a:cs typeface="Average"/>
+                <a:sym typeface="Average"/>
+              </a:rPr>
+              <a:t>Revisiting the heatmap</a:t>
+            </a:r>
+            <a:endParaRPr sz="1500">
+              <a:latin typeface="Average"/>
+              <a:ea typeface="Average"/>
+              <a:cs typeface="Average"/>
+              <a:sym typeface="Average"/>
+            </a:endParaRPr>
+          </a:p>
+          <a:p>
+            <a:pPr indent="0" lvl="0" marL="0" rtl="0" algn="l">
+              <a:spcBef>
+                <a:spcPts val="0"/>
+              </a:spcBef>
+              <a:spcAft>
+                <a:spcPts val="0"/>
+              </a:spcAft>
+              <a:buNone/>
+            </a:pPr>
+            <a:r>
+              <a:rPr lang="en-GB" sz="2000">
+                <a:solidFill>
+                  <a:srgbClr val="E69138"/>
+                </a:solidFill>
+              </a:rPr>
+              <a:t>WNV most prevalent in Aug - Sep</a:t>
+            </a:r>
+            <a:endParaRPr sz="2000">
+              <a:solidFill>
+                <a:srgbClr val="E69138"/>
+              </a:solidFill>
+            </a:endParaRPr>
           </a:p>
         </p:txBody>
       </p:sp>
@@ -13172,9 +13400,37 @@
           <a:chExt cx="0" cy="0"/>
         </a:xfrm>
       </p:grpSpPr>
+      <p:pic>
+        <p:nvPicPr>
+          <p:cNvPr id="205" name="Google Shape;205;p35"/>
+          <p:cNvPicPr preferRelativeResize="0"/>
+          <p:nvPr/>
+        </p:nvPicPr>
+        <p:blipFill>
+          <a:blip r:embed="rId3">
+            <a:alphaModFix/>
+          </a:blip>
+          <a:stretch>
+            <a:fillRect/>
+          </a:stretch>
+        </p:blipFill>
+        <p:spPr>
+          <a:xfrm>
+            <a:off x="-1" y="0"/>
+            <a:ext cx="6760153" cy="5143499"/>
+          </a:xfrm>
+          <a:prstGeom prst="rect">
+            <a:avLst/>
+          </a:prstGeom>
+          <a:noFill/>
+          <a:ln>
+            <a:noFill/>
+          </a:ln>
+        </p:spPr>
+      </p:pic>
       <p:sp>
         <p:nvSpPr>
-          <p:cNvPr id="205" name="Google Shape;205;p35"/>
+          <p:cNvPr id="206" name="Google Shape;206;p35"/>
           <p:cNvSpPr txBox="1"/>
           <p:nvPr>
             <p:ph type="title"/>
@@ -13182,8 +13438,8 @@
         </p:nvSpPr>
         <p:spPr>
           <a:xfrm>
-            <a:off x="311700" y="445025"/>
-            <a:ext cx="8520600" cy="572700"/>
+            <a:off x="6864925" y="2111900"/>
+            <a:ext cx="2072100" cy="572700"/>
           </a:xfrm>
           <a:prstGeom prst="rect">
             <a:avLst/>
@@ -13205,100 +13461,18 @@
               <a:buNone/>
             </a:pPr>
             <a:r>
-              <a:rPr lang="en-GB"/>
-              <a:t>Other pre-processing steps</a:t>
-            </a:r>
-            <a:endParaRPr/>
-          </a:p>
-        </p:txBody>
-      </p:sp>
-      <p:sp>
-        <p:nvSpPr>
-          <p:cNvPr id="206" name="Google Shape;206;p35"/>
-          <p:cNvSpPr txBox="1"/>
-          <p:nvPr>
-            <p:ph idx="1" type="body"/>
-          </p:nvPr>
-        </p:nvSpPr>
-        <p:spPr>
-          <a:xfrm>
-            <a:off x="311700" y="1152475"/>
-            <a:ext cx="8520600" cy="3416400"/>
-          </a:xfrm>
-          <a:prstGeom prst="rect">
-            <a:avLst/>
-          </a:prstGeom>
-        </p:spPr>
-        <p:txBody>
-          <a:bodyPr anchorCtr="0" anchor="t" bIns="91425" lIns="91425" spcFirstLastPara="1" rIns="91425" wrap="square" tIns="91425">
-            <a:noAutofit/>
-          </a:bodyPr>
-          <a:lstStyle/>
-          <a:p>
-            <a:pPr indent="-342900" lvl="0" marL="457200" rtl="0" algn="l">
-              <a:spcBef>
-                <a:spcPts val="0"/>
-              </a:spcBef>
-              <a:spcAft>
-                <a:spcPts val="0"/>
-              </a:spcAft>
-              <a:buSzPts val="1800"/>
-              <a:buChar char="●"/>
-            </a:pPr>
-            <a:r>
-              <a:rPr lang="en-GB"/>
-              <a:t>Parsed dates into year, month, week of year, day of year</a:t>
-            </a:r>
-            <a:endParaRPr/>
-          </a:p>
-          <a:p>
-            <a:pPr indent="-342900" lvl="0" marL="457200" rtl="0" algn="l">
-              <a:spcBef>
-                <a:spcPts val="0"/>
-              </a:spcBef>
-              <a:spcAft>
-                <a:spcPts val="0"/>
-              </a:spcAft>
-              <a:buSzPts val="1800"/>
-              <a:buChar char="●"/>
-            </a:pPr>
-            <a:r>
-              <a:rPr lang="en-GB"/>
-              <a:t>Created lat-long coordinates, dropped all other address-related columns</a:t>
-            </a:r>
-            <a:endParaRPr/>
-          </a:p>
-          <a:p>
-            <a:pPr indent="-342900" lvl="0" marL="457200" rtl="0" algn="l">
-              <a:spcBef>
-                <a:spcPts val="0"/>
-              </a:spcBef>
-              <a:spcAft>
-                <a:spcPts val="0"/>
-              </a:spcAft>
-              <a:buSzPts val="1800"/>
-              <a:buChar char="●"/>
-            </a:pPr>
-            <a:r>
-              <a:rPr lang="en-GB"/>
-              <a:t>Mapped nearest weather station for each trap record to retrieve weather conditions</a:t>
-            </a:r>
-            <a:endParaRPr/>
-          </a:p>
-          <a:p>
-            <a:pPr indent="0" lvl="0" marL="0" rtl="0" algn="l">
-              <a:spcBef>
-                <a:spcPts val="1600"/>
-              </a:spcBef>
-              <a:spcAft>
-                <a:spcPts val="1600"/>
-              </a:spcAft>
-              <a:buNone/>
-            </a:pPr>
-            <a:r>
-              <a:t/>
-            </a:r>
-            <a:endParaRPr/>
+              <a:rPr lang="en-GB" sz="2400">
+                <a:solidFill>
+                  <a:srgbClr val="E69138"/>
+                </a:solidFill>
+              </a:rPr>
+              <a:t>Likely effects of weather</a:t>
+            </a:r>
+            <a:endParaRPr sz="2400">
+              <a:solidFill>
+                <a:srgbClr val="E69138"/>
+              </a:solidFill>
+            </a:endParaRPr>
           </a:p>
         </p:txBody>
       </p:sp>
@@ -13332,6 +13506,46 @@
           <p:cNvPr id="211" name="Google Shape;211;p36"/>
           <p:cNvSpPr txBox="1"/>
           <p:nvPr>
+            <p:ph type="title"/>
+          </p:nvPr>
+        </p:nvSpPr>
+        <p:spPr>
+          <a:xfrm>
+            <a:off x="311700" y="445025"/>
+            <a:ext cx="8520600" cy="572700"/>
+          </a:xfrm>
+          <a:prstGeom prst="rect">
+            <a:avLst/>
+          </a:prstGeom>
+        </p:spPr>
+        <p:txBody>
+          <a:bodyPr anchorCtr="0" anchor="t" bIns="91425" lIns="91425" spcFirstLastPara="1" rIns="91425" wrap="square" tIns="91425">
+            <a:noAutofit/>
+          </a:bodyPr>
+          <a:lstStyle/>
+          <a:p>
+            <a:pPr indent="0" lvl="0" marL="0" rtl="0" algn="l">
+              <a:spcBef>
+                <a:spcPts val="0"/>
+              </a:spcBef>
+              <a:spcAft>
+                <a:spcPts val="0"/>
+              </a:spcAft>
+              <a:buNone/>
+            </a:pPr>
+            <a:r>
+              <a:rPr lang="en-GB"/>
+              <a:t>Pre-processing summary</a:t>
+            </a:r>
+            <a:endParaRPr/>
+          </a:p>
+        </p:txBody>
+      </p:sp>
+      <p:sp>
+        <p:nvSpPr>
+          <p:cNvPr id="212" name="Google Shape;212;p36"/>
+          <p:cNvSpPr txBox="1"/>
+          <p:nvPr>
             <p:ph idx="1" type="body"/>
           </p:nvPr>
         </p:nvSpPr>
@@ -13350,182 +13564,97 @@
           </a:bodyPr>
           <a:lstStyle/>
           <a:p>
-            <a:pPr indent="0" lvl="0" marL="0" rtl="0" algn="l">
-              <a:spcBef>
-                <a:spcPts val="0"/>
-              </a:spcBef>
-              <a:spcAft>
-                <a:spcPts val="0"/>
-              </a:spcAft>
-              <a:buClr>
-                <a:schemeClr val="dk1"/>
-              </a:buClr>
-              <a:buSzPts val="1100"/>
-              <a:buFont typeface="Arial"/>
-              <a:buNone/>
-            </a:pPr>
+            <a:pPr indent="-342900" lvl="0" marL="457200" rtl="0" algn="l">
+              <a:spcBef>
+                <a:spcPts val="0"/>
+              </a:spcBef>
+              <a:spcAft>
+                <a:spcPts val="0"/>
+              </a:spcAft>
+              <a:buSzPts val="1800"/>
+              <a:buAutoNum type="arabicPeriod"/>
+            </a:pPr>
+            <a:r>
+              <a:rPr lang="en-GB"/>
+              <a:t>Parsed dates into </a:t>
+            </a:r>
             <a:r>
               <a:rPr b="1" lang="en-GB"/>
-              <a:t>Tavg x (PrecipTotal + 1)</a:t>
+              <a:t>year</a:t>
+            </a:r>
+            <a:r>
+              <a:rPr lang="en-GB"/>
+              <a:t>, </a:t>
+            </a:r>
+            <a:r>
+              <a:rPr b="1" lang="en-GB"/>
+              <a:t>month</a:t>
+            </a:r>
+            <a:r>
+              <a:rPr lang="en-GB"/>
+              <a:t>, </a:t>
+            </a:r>
+            <a:r>
+              <a:rPr b="1" lang="en-GB"/>
+              <a:t>week of year</a:t>
+            </a:r>
+            <a:r>
+              <a:rPr lang="en-GB"/>
+              <a:t>, </a:t>
+            </a:r>
+            <a:r>
+              <a:rPr b="1" lang="en-GB"/>
+              <a:t>day of year</a:t>
             </a:r>
             <a:endParaRPr b="1"/>
           </a:p>
           <a:p>
-            <a:pPr indent="-336550" lvl="0" marL="457200" rtl="0" algn="l">
-              <a:spcBef>
-                <a:spcPts val="1600"/>
-              </a:spcBef>
-              <a:spcAft>
-                <a:spcPts val="0"/>
-              </a:spcAft>
-              <a:buSzPts val="1700"/>
-              <a:buChar char="●"/>
-            </a:pPr>
-            <a:r>
-              <a:rPr lang="en-GB" sz="1700"/>
-              <a:t>Temperature and precipitation may have synergistic effects on the mosquito life cycle.</a:t>
-            </a:r>
-            <a:endParaRPr sz="1700"/>
-          </a:p>
-          <a:p>
-            <a:pPr indent="-336550" lvl="0" marL="457200" rtl="0" algn="l">
-              <a:spcBef>
-                <a:spcPts val="0"/>
-              </a:spcBef>
-              <a:spcAft>
-                <a:spcPts val="0"/>
-              </a:spcAft>
-              <a:buSzPts val="1700"/>
-              <a:buChar char="●"/>
-            </a:pPr>
-            <a:r>
-              <a:rPr lang="en-GB" sz="1700"/>
-              <a:t>1 added to PrecipTotal to keep the Tavg value unchanged when PrecipTotal = 0 (i.e. no rain).</a:t>
-            </a:r>
-            <a:endParaRPr sz="1600"/>
-          </a:p>
-          <a:p>
-            <a:pPr indent="0" lvl="0" marL="0" rtl="0" algn="l">
-              <a:spcBef>
-                <a:spcPts val="1600"/>
-              </a:spcBef>
-              <a:spcAft>
-                <a:spcPts val="0"/>
-              </a:spcAft>
-              <a:buNone/>
-            </a:pPr>
+            <a:pPr indent="-342900" lvl="0" marL="457200" rtl="0" algn="l">
+              <a:spcBef>
+                <a:spcPts val="0"/>
+              </a:spcBef>
+              <a:spcAft>
+                <a:spcPts val="0"/>
+              </a:spcAft>
+              <a:buSzPts val="1800"/>
+              <a:buAutoNum type="arabicPeriod"/>
+            </a:pPr>
+            <a:r>
+              <a:rPr lang="en-GB"/>
+              <a:t>D</a:t>
+            </a:r>
+            <a:r>
+              <a:rPr lang="en-GB"/>
+              <a:t>ropped all address-related columns, except </a:t>
+            </a:r>
             <a:r>
               <a:rPr b="1" lang="en-GB"/>
-              <a:t>Relative humidity</a:t>
+              <a:t>latitude </a:t>
+            </a:r>
+            <a:r>
+              <a:rPr lang="en-GB"/>
+              <a:t>and </a:t>
+            </a:r>
+            <a:r>
+              <a:rPr b="1" lang="en-GB"/>
+              <a:t>longitude</a:t>
             </a:r>
             <a:endParaRPr b="1"/>
           </a:p>
           <a:p>
-            <a:pPr indent="-330200" lvl="0" marL="457200" rtl="0" algn="l">
-              <a:spcBef>
-                <a:spcPts val="1600"/>
-              </a:spcBef>
-              <a:spcAft>
-                <a:spcPts val="0"/>
-              </a:spcAft>
-              <a:buSzPts val="1600"/>
-              <a:buChar char="●"/>
-            </a:pPr>
-            <a:r>
-              <a:rPr lang="en-GB" sz="1600"/>
-              <a:t>Certain humidity ranges (45-65%) are conducive for mosquito breeding</a:t>
-            </a:r>
-            <a:endParaRPr sz="1600"/>
-          </a:p>
-          <a:p>
-            <a:pPr indent="-330200" lvl="0" marL="457200" rtl="0" algn="l">
-              <a:spcBef>
-                <a:spcPts val="0"/>
-              </a:spcBef>
-              <a:spcAft>
-                <a:spcPts val="0"/>
-              </a:spcAft>
-              <a:buSzPts val="1600"/>
-              <a:buChar char="●"/>
-            </a:pPr>
-            <a:r>
-              <a:rPr lang="en-GB" sz="1600"/>
-              <a:t>Calculated using DewPoint and Tavg</a:t>
-            </a:r>
-            <a:endParaRPr sz="1600"/>
-          </a:p>
-          <a:p>
-            <a:pPr indent="0" lvl="0" marL="0" rtl="0" algn="l">
-              <a:spcBef>
-                <a:spcPts val="1600"/>
-              </a:spcBef>
-              <a:spcAft>
-                <a:spcPts val="0"/>
-              </a:spcAft>
-              <a:buClr>
-                <a:schemeClr val="dk1"/>
-              </a:buClr>
-              <a:buSzPts val="1100"/>
-              <a:buFont typeface="Arial"/>
-              <a:buNone/>
-            </a:pPr>
-            <a:r>
-              <a:t/>
-            </a:r>
-            <a:endParaRPr/>
-          </a:p>
-          <a:p>
-            <a:pPr indent="0" lvl="0" marL="0" rtl="0" algn="l">
-              <a:spcBef>
-                <a:spcPts val="1600"/>
-              </a:spcBef>
-              <a:spcAft>
-                <a:spcPts val="1600"/>
-              </a:spcAft>
-              <a:buNone/>
-            </a:pPr>
-            <a:r>
-              <a:t/>
-            </a:r>
-            <a:endParaRPr/>
-          </a:p>
-        </p:txBody>
-      </p:sp>
-      <p:sp>
-        <p:nvSpPr>
-          <p:cNvPr id="212" name="Google Shape;212;p36"/>
-          <p:cNvSpPr txBox="1"/>
-          <p:nvPr>
-            <p:ph type="title"/>
-          </p:nvPr>
-        </p:nvSpPr>
-        <p:spPr>
-          <a:xfrm>
-            <a:off x="311700" y="445025"/>
-            <a:ext cx="8520600" cy="572700"/>
-          </a:xfrm>
-          <a:prstGeom prst="rect">
-            <a:avLst/>
-          </a:prstGeom>
-        </p:spPr>
-        <p:txBody>
-          <a:bodyPr anchorCtr="0" anchor="t" bIns="91425" lIns="91425" spcFirstLastPara="1" rIns="91425" wrap="square" tIns="91425">
-            <a:noAutofit/>
-          </a:bodyPr>
-          <a:lstStyle/>
-          <a:p>
-            <a:pPr indent="0" lvl="0" marL="0" rtl="0" algn="l">
-              <a:spcBef>
-                <a:spcPts val="0"/>
-              </a:spcBef>
-              <a:spcAft>
-                <a:spcPts val="0"/>
-              </a:spcAft>
-              <a:buNone/>
+            <a:pPr indent="-342900" lvl="0" marL="457200" rtl="0" algn="l">
+              <a:spcBef>
+                <a:spcPts val="0"/>
+              </a:spcBef>
+              <a:spcAft>
+                <a:spcPts val="0"/>
+              </a:spcAft>
+              <a:buSzPts val="1800"/>
+              <a:buAutoNum type="arabicPeriod"/>
             </a:pPr>
             <a:r>
               <a:rPr lang="en-GB"/>
-              <a:t>Feature Engineering</a:t>
+              <a:t>Mapped nearest weather station for each trap record to retrieve weather conditions</a:t>
             </a:r>
             <a:endParaRPr/>
           </a:p>
@@ -13561,12 +13690,459 @@
           <p:cNvPr id="217" name="Google Shape;217;p37"/>
           <p:cNvSpPr txBox="1"/>
           <p:nvPr>
+            <p:ph idx="1" type="body"/>
+          </p:nvPr>
+        </p:nvSpPr>
+        <p:spPr>
+          <a:xfrm>
+            <a:off x="311700" y="771475"/>
+            <a:ext cx="8520600" cy="4175400"/>
+          </a:xfrm>
+          <a:prstGeom prst="rect">
+            <a:avLst/>
+          </a:prstGeom>
+        </p:spPr>
+        <p:txBody>
+          <a:bodyPr anchorCtr="0" anchor="t" bIns="91425" lIns="91425" spcFirstLastPara="1" rIns="91425" wrap="square" tIns="91425">
+            <a:noAutofit/>
+          </a:bodyPr>
+          <a:lstStyle/>
+          <a:p>
+            <a:pPr indent="-342900" lvl="0" marL="457200" rtl="0" algn="l">
+              <a:lnSpc>
+                <a:spcPct val="100000"/>
+              </a:lnSpc>
+              <a:spcBef>
+                <a:spcPts val="0"/>
+              </a:spcBef>
+              <a:spcAft>
+                <a:spcPts val="0"/>
+              </a:spcAft>
+              <a:buClr>
+                <a:srgbClr val="E69138"/>
+              </a:buClr>
+              <a:buSzPts val="1800"/>
+              <a:buFont typeface="Oswald"/>
+              <a:buAutoNum type="arabicPeriod"/>
+            </a:pPr>
+            <a:r>
+              <a:rPr lang="en-GB">
+                <a:solidFill>
+                  <a:srgbClr val="E69138"/>
+                </a:solidFill>
+                <a:latin typeface="Oswald"/>
+                <a:ea typeface="Oswald"/>
+                <a:cs typeface="Oswald"/>
+                <a:sym typeface="Oswald"/>
+              </a:rPr>
+              <a:t>Tavg x (PrecipTotal + 1)</a:t>
+            </a:r>
+            <a:endParaRPr>
+              <a:solidFill>
+                <a:srgbClr val="E69138"/>
+              </a:solidFill>
+              <a:latin typeface="Oswald"/>
+              <a:ea typeface="Oswald"/>
+              <a:cs typeface="Oswald"/>
+              <a:sym typeface="Oswald"/>
+            </a:endParaRPr>
+          </a:p>
+          <a:p>
+            <a:pPr indent="0" lvl="0" marL="0" rtl="0" algn="l">
+              <a:lnSpc>
+                <a:spcPct val="100000"/>
+              </a:lnSpc>
+              <a:spcBef>
+                <a:spcPts val="0"/>
+              </a:spcBef>
+              <a:spcAft>
+                <a:spcPts val="0"/>
+              </a:spcAft>
+              <a:buNone/>
+            </a:pPr>
+            <a:r>
+              <a:rPr lang="en-GB" sz="2000">
+                <a:latin typeface="Oswald"/>
+                <a:ea typeface="Oswald"/>
+                <a:cs typeface="Oswald"/>
+                <a:sym typeface="Oswald"/>
+              </a:rPr>
+              <a:t>	</a:t>
+            </a:r>
+            <a:r>
+              <a:rPr lang="en-GB" sz="1600"/>
+              <a:t>Likely synergistic effects of temperature and precipitation on mosquito life cycle</a:t>
+            </a:r>
+            <a:endParaRPr sz="1600"/>
+          </a:p>
+          <a:p>
+            <a:pPr indent="0" lvl="0" marL="0" rtl="0" algn="l">
+              <a:lnSpc>
+                <a:spcPct val="100000"/>
+              </a:lnSpc>
+              <a:spcBef>
+                <a:spcPts val="0"/>
+              </a:spcBef>
+              <a:spcAft>
+                <a:spcPts val="0"/>
+              </a:spcAft>
+              <a:buNone/>
+            </a:pPr>
+            <a:r>
+              <a:t/>
+            </a:r>
+            <a:endParaRPr sz="1600"/>
+          </a:p>
+          <a:p>
+            <a:pPr indent="-342900" lvl="0" marL="457200" rtl="0" algn="l">
+              <a:lnSpc>
+                <a:spcPct val="100000"/>
+              </a:lnSpc>
+              <a:spcBef>
+                <a:spcPts val="0"/>
+              </a:spcBef>
+              <a:spcAft>
+                <a:spcPts val="0"/>
+              </a:spcAft>
+              <a:buClr>
+                <a:srgbClr val="E69138"/>
+              </a:buClr>
+              <a:buSzPts val="1800"/>
+              <a:buFont typeface="Oswald"/>
+              <a:buAutoNum type="arabicPeriod"/>
+            </a:pPr>
+            <a:r>
+              <a:rPr lang="en-GB">
+                <a:solidFill>
+                  <a:srgbClr val="E69138"/>
+                </a:solidFill>
+                <a:latin typeface="Oswald"/>
+                <a:ea typeface="Oswald"/>
+                <a:cs typeface="Oswald"/>
+                <a:sym typeface="Oswald"/>
+              </a:rPr>
+              <a:t>Relative humidity</a:t>
+            </a:r>
+            <a:endParaRPr>
+              <a:solidFill>
+                <a:srgbClr val="E69138"/>
+              </a:solidFill>
+            </a:endParaRPr>
+          </a:p>
+          <a:p>
+            <a:pPr indent="457200" lvl="0" marL="0" rtl="0" algn="l">
+              <a:lnSpc>
+                <a:spcPct val="100000"/>
+              </a:lnSpc>
+              <a:spcBef>
+                <a:spcPts val="0"/>
+              </a:spcBef>
+              <a:spcAft>
+                <a:spcPts val="0"/>
+              </a:spcAft>
+              <a:buNone/>
+            </a:pPr>
+            <a:r>
+              <a:rPr lang="en-GB" sz="1600"/>
+              <a:t>Certain humidity ranges (45-65%) are conducive for mosquito breeding</a:t>
+            </a:r>
+            <a:endParaRPr sz="1600"/>
+          </a:p>
+          <a:p>
+            <a:pPr indent="457200" lvl="0" marL="0" rtl="0" algn="l">
+              <a:lnSpc>
+                <a:spcPct val="100000"/>
+              </a:lnSpc>
+              <a:spcBef>
+                <a:spcPts val="0"/>
+              </a:spcBef>
+              <a:spcAft>
+                <a:spcPts val="0"/>
+              </a:spcAft>
+              <a:buNone/>
+            </a:pPr>
+            <a:r>
+              <a:t/>
+            </a:r>
+            <a:endParaRPr sz="1600"/>
+          </a:p>
+          <a:p>
+            <a:pPr indent="-342900" lvl="0" marL="457200" rtl="0" algn="l">
+              <a:lnSpc>
+                <a:spcPct val="100000"/>
+              </a:lnSpc>
+              <a:spcBef>
+                <a:spcPts val="0"/>
+              </a:spcBef>
+              <a:spcAft>
+                <a:spcPts val="0"/>
+              </a:spcAft>
+              <a:buClr>
+                <a:srgbClr val="E69138"/>
+              </a:buClr>
+              <a:buSzPts val="1800"/>
+              <a:buFont typeface="Oswald"/>
+              <a:buAutoNum type="arabicPeriod"/>
+            </a:pPr>
+            <a:r>
+              <a:rPr lang="en-GB">
+                <a:solidFill>
+                  <a:srgbClr val="E69138"/>
+                </a:solidFill>
+                <a:latin typeface="Oswald"/>
+                <a:ea typeface="Oswald"/>
+                <a:cs typeface="Oswald"/>
+                <a:sym typeface="Oswald"/>
+              </a:rPr>
+              <a:t>Temperature range</a:t>
+            </a:r>
+            <a:endParaRPr>
+              <a:solidFill>
+                <a:srgbClr val="E69138"/>
+              </a:solidFill>
+              <a:latin typeface="Oswald"/>
+              <a:ea typeface="Oswald"/>
+              <a:cs typeface="Oswald"/>
+              <a:sym typeface="Oswald"/>
+            </a:endParaRPr>
+          </a:p>
+          <a:p>
+            <a:pPr indent="0" lvl="0" marL="457200" rtl="0" algn="l">
+              <a:lnSpc>
+                <a:spcPct val="100000"/>
+              </a:lnSpc>
+              <a:spcBef>
+                <a:spcPts val="0"/>
+              </a:spcBef>
+              <a:spcAft>
+                <a:spcPts val="0"/>
+              </a:spcAft>
+              <a:buNone/>
+            </a:pPr>
+            <a:r>
+              <a:t/>
+            </a:r>
+            <a:endParaRPr>
+              <a:solidFill>
+                <a:srgbClr val="E69138"/>
+              </a:solidFill>
+              <a:latin typeface="Oswald"/>
+              <a:ea typeface="Oswald"/>
+              <a:cs typeface="Oswald"/>
+              <a:sym typeface="Oswald"/>
+            </a:endParaRPr>
+          </a:p>
+          <a:p>
+            <a:pPr indent="-342900" lvl="0" marL="457200" rtl="0" algn="l">
+              <a:lnSpc>
+                <a:spcPct val="100000"/>
+              </a:lnSpc>
+              <a:spcBef>
+                <a:spcPts val="0"/>
+              </a:spcBef>
+              <a:spcAft>
+                <a:spcPts val="0"/>
+              </a:spcAft>
+              <a:buClr>
+                <a:srgbClr val="E69138"/>
+              </a:buClr>
+              <a:buSzPts val="1800"/>
+              <a:buFont typeface="Oswald"/>
+              <a:buAutoNum type="arabicPeriod"/>
+            </a:pPr>
+            <a:r>
+              <a:rPr lang="en-GB">
+                <a:solidFill>
+                  <a:srgbClr val="E69138"/>
+                </a:solidFill>
+                <a:latin typeface="Oswald"/>
+                <a:ea typeface="Oswald"/>
+                <a:cs typeface="Oswald"/>
+                <a:sym typeface="Oswald"/>
+              </a:rPr>
+              <a:t>Delayed weather parameters</a:t>
+            </a:r>
+            <a:endParaRPr>
+              <a:solidFill>
+                <a:srgbClr val="E69138"/>
+              </a:solidFill>
+              <a:latin typeface="Oswald"/>
+              <a:ea typeface="Oswald"/>
+              <a:cs typeface="Oswald"/>
+              <a:sym typeface="Oswald"/>
+            </a:endParaRPr>
+          </a:p>
+          <a:p>
+            <a:pPr indent="0" lvl="0" marL="457200" rtl="0" algn="l">
+              <a:spcBef>
+                <a:spcPts val="0"/>
+              </a:spcBef>
+              <a:spcAft>
+                <a:spcPts val="0"/>
+              </a:spcAft>
+              <a:buNone/>
+            </a:pPr>
+            <a:r>
+              <a:rPr lang="en-GB" sz="1600"/>
+              <a:t>The average life cycle (eggs - adult) of a Culex mosquito: 14 days (Kauffman et al., 2017)</a:t>
+            </a:r>
+            <a:endParaRPr sz="1600"/>
+          </a:p>
+          <a:p>
+            <a:pPr indent="0" lvl="0" marL="457200" rtl="0" algn="l">
+              <a:spcBef>
+                <a:spcPts val="0"/>
+              </a:spcBef>
+              <a:spcAft>
+                <a:spcPts val="0"/>
+              </a:spcAft>
+              <a:buNone/>
+            </a:pPr>
+            <a:r>
+              <a:t/>
+            </a:r>
+            <a:endParaRPr sz="1600"/>
+          </a:p>
+          <a:p>
+            <a:pPr indent="-342900" lvl="0" marL="457200" rtl="0" algn="l">
+              <a:lnSpc>
+                <a:spcPct val="100000"/>
+              </a:lnSpc>
+              <a:spcBef>
+                <a:spcPts val="0"/>
+              </a:spcBef>
+              <a:spcAft>
+                <a:spcPts val="0"/>
+              </a:spcAft>
+              <a:buClr>
+                <a:srgbClr val="E69138"/>
+              </a:buClr>
+              <a:buSzPts val="1800"/>
+              <a:buFont typeface="Oswald"/>
+              <a:buAutoNum type="arabicPeriod"/>
+            </a:pPr>
+            <a:r>
+              <a:rPr lang="en-GB">
+                <a:solidFill>
+                  <a:srgbClr val="E69138"/>
+                </a:solidFill>
+                <a:latin typeface="Oswald"/>
+                <a:ea typeface="Oswald"/>
+                <a:cs typeface="Oswald"/>
+                <a:sym typeface="Oswald"/>
+              </a:rPr>
+              <a:t>Daylight hours</a:t>
+            </a:r>
+            <a:endParaRPr>
+              <a:solidFill>
+                <a:srgbClr val="E69138"/>
+              </a:solidFill>
+              <a:latin typeface="Oswald"/>
+              <a:ea typeface="Oswald"/>
+              <a:cs typeface="Oswald"/>
+              <a:sym typeface="Oswald"/>
+            </a:endParaRPr>
+          </a:p>
+          <a:p>
+            <a:pPr indent="0" lvl="0" marL="457200" rtl="0" algn="l">
+              <a:lnSpc>
+                <a:spcPct val="100000"/>
+              </a:lnSpc>
+              <a:spcBef>
+                <a:spcPts val="0"/>
+              </a:spcBef>
+              <a:spcAft>
+                <a:spcPts val="0"/>
+              </a:spcAft>
+              <a:buNone/>
+            </a:pPr>
+            <a:r>
+              <a:t/>
+            </a:r>
+            <a:endParaRPr>
+              <a:solidFill>
+                <a:srgbClr val="E69138"/>
+              </a:solidFill>
+              <a:latin typeface="Oswald"/>
+              <a:ea typeface="Oswald"/>
+              <a:cs typeface="Oswald"/>
+              <a:sym typeface="Oswald"/>
+            </a:endParaRPr>
+          </a:p>
+          <a:p>
+            <a:pPr indent="-342900" lvl="0" marL="457200" rtl="0" algn="l">
+              <a:lnSpc>
+                <a:spcPct val="100000"/>
+              </a:lnSpc>
+              <a:spcBef>
+                <a:spcPts val="0"/>
+              </a:spcBef>
+              <a:spcAft>
+                <a:spcPts val="0"/>
+              </a:spcAft>
+              <a:buClr>
+                <a:srgbClr val="E69138"/>
+              </a:buClr>
+              <a:buSzPts val="1800"/>
+              <a:buFont typeface="Oswald"/>
+              <a:buAutoNum type="arabicPeriod"/>
+            </a:pPr>
+            <a:r>
+              <a:rPr lang="en-GB">
+                <a:solidFill>
+                  <a:srgbClr val="E69138"/>
+                </a:solidFill>
+                <a:latin typeface="Oswald"/>
+                <a:ea typeface="Oswald"/>
+                <a:cs typeface="Oswald"/>
+                <a:sym typeface="Oswald"/>
+              </a:rPr>
+              <a:t>DBSCAN</a:t>
+            </a:r>
+            <a:endParaRPr>
+              <a:solidFill>
+                <a:srgbClr val="E69138"/>
+              </a:solidFill>
+              <a:latin typeface="Oswald"/>
+              <a:ea typeface="Oswald"/>
+              <a:cs typeface="Oswald"/>
+              <a:sym typeface="Oswald"/>
+            </a:endParaRPr>
+          </a:p>
+          <a:p>
+            <a:pPr indent="457200" lvl="0" marL="0" rtl="0" algn="l">
+              <a:spcBef>
+                <a:spcPts val="0"/>
+              </a:spcBef>
+              <a:spcAft>
+                <a:spcPts val="0"/>
+              </a:spcAft>
+              <a:buNone/>
+            </a:pPr>
+            <a:r>
+              <a:rPr lang="en-GB" sz="1600"/>
+              <a:t>Clustering trap records using lat, long, and number of mosquitos. 102 clusters.</a:t>
+            </a:r>
+            <a:endParaRPr sz="1600">
+              <a:latin typeface="Oswald"/>
+              <a:ea typeface="Oswald"/>
+              <a:cs typeface="Oswald"/>
+              <a:sym typeface="Oswald"/>
+            </a:endParaRPr>
+          </a:p>
+        </p:txBody>
+      </p:sp>
+      <p:sp>
+        <p:nvSpPr>
+          <p:cNvPr id="218" name="Google Shape;218;p37"/>
+          <p:cNvSpPr txBox="1"/>
+          <p:nvPr>
             <p:ph type="title"/>
           </p:nvPr>
         </p:nvSpPr>
         <p:spPr>
           <a:xfrm>
-            <a:off x="311700" y="445025"/>
+            <a:off x="311700" y="216425"/>
             <a:ext cx="8520600" cy="572700"/>
           </a:xfrm>
           <a:prstGeom prst="rect">
@@ -13598,20 +14174,22 @@
       </p:sp>
       <p:sp>
         <p:nvSpPr>
-          <p:cNvPr id="218" name="Google Shape;218;p37"/>
+          <p:cNvPr id="219" name="Google Shape;219;p37"/>
           <p:cNvSpPr txBox="1"/>
-          <p:nvPr>
-            <p:ph idx="1" type="body"/>
-          </p:nvPr>
+          <p:nvPr/>
         </p:nvSpPr>
         <p:spPr>
           <a:xfrm>
-            <a:off x="311700" y="1152475"/>
-            <a:ext cx="8520600" cy="3416400"/>
+            <a:off x="4528650" y="4603900"/>
+            <a:ext cx="5191200" cy="190500"/>
           </a:xfrm>
           <a:prstGeom prst="rect">
             <a:avLst/>
           </a:prstGeom>
+          <a:noFill/>
+          <a:ln>
+            <a:noFill/>
+          </a:ln>
         </p:spPr>
         <p:txBody>
           <a:bodyPr anchorCtr="0" anchor="t" bIns="91425" lIns="91425" spcFirstLastPara="1" rIns="91425" wrap="square" tIns="91425">
@@ -13620,129 +14198,58 @@
           <a:lstStyle/>
           <a:p>
             <a:pPr indent="0" lvl="0" marL="0" rtl="0" algn="l">
-              <a:spcBef>
-                <a:spcPts val="0"/>
-              </a:spcBef>
-              <a:spcAft>
-                <a:spcPts val="0"/>
-              </a:spcAft>
-              <a:buNone/>
-            </a:pPr>
-            <a:r>
-              <a:rPr b="1" lang="en-GB"/>
-              <a:t>Temperature range</a:t>
-            </a:r>
-            <a:endParaRPr b="1"/>
-          </a:p>
-          <a:p>
-            <a:pPr indent="-330200" lvl="0" marL="457200" rtl="0" algn="l">
-              <a:spcBef>
-                <a:spcPts val="1600"/>
-              </a:spcBef>
-              <a:spcAft>
-                <a:spcPts val="0"/>
-              </a:spcAft>
-              <a:buSzPts val="1600"/>
-              <a:buChar char="●"/>
-            </a:pPr>
-            <a:r>
-              <a:rPr lang="en-GB" sz="1600"/>
-              <a:t>Difference between Tmax and Tmin</a:t>
-            </a:r>
-            <a:endParaRPr sz="1600"/>
-          </a:p>
-          <a:p>
-            <a:pPr indent="0" lvl="0" marL="0" rtl="0" algn="l">
-              <a:spcBef>
-                <a:spcPts val="1600"/>
-              </a:spcBef>
-              <a:spcAft>
-                <a:spcPts val="0"/>
-              </a:spcAft>
-              <a:buNone/>
-            </a:pPr>
-            <a:r>
-              <a:t/>
-            </a:r>
-            <a:endParaRPr/>
-          </a:p>
-          <a:p>
-            <a:pPr indent="0" lvl="0" marL="0" rtl="0" algn="l">
-              <a:spcBef>
-                <a:spcPts val="1600"/>
-              </a:spcBef>
-              <a:spcAft>
-                <a:spcPts val="0"/>
-              </a:spcAft>
-              <a:buNone/>
-            </a:pPr>
-            <a:r>
-              <a:rPr b="1" lang="en-GB"/>
-              <a:t>Delayed weather measurements</a:t>
-            </a:r>
-            <a:endParaRPr b="1"/>
-          </a:p>
-          <a:p>
-            <a:pPr indent="-330200" lvl="0" marL="457200" rtl="0" algn="l">
-              <a:spcBef>
-                <a:spcPts val="1600"/>
-              </a:spcBef>
-              <a:spcAft>
-                <a:spcPts val="0"/>
-              </a:spcAft>
-              <a:buSzPts val="1600"/>
-              <a:buChar char="●"/>
-            </a:pPr>
-            <a:r>
-              <a:rPr lang="en-GB" sz="1600"/>
-              <a:t>The average life cycle (eggs - adult) of a Culex mosquito: </a:t>
-            </a:r>
-            <a:r>
-              <a:rPr lang="en-GB" sz="1600" u="sng">
+              <a:lnSpc>
+                <a:spcPct val="100000"/>
+              </a:lnSpc>
+              <a:spcBef>
+                <a:spcPts val="2400"/>
+              </a:spcBef>
+              <a:spcAft>
+                <a:spcPts val="600"/>
+              </a:spcAft>
+              <a:buNone/>
+            </a:pPr>
+            <a:r>
+              <a:rPr lang="en-GB" sz="800">
                 <a:solidFill>
-                  <a:schemeClr val="hlink"/>
+                  <a:schemeClr val="dk1"/>
                 </a:solidFill>
-                <a:hlinkClick r:id="rId3"/>
               </a:rPr>
-              <a:t>14 days</a:t>
-            </a:r>
-            <a:r>
-              <a:rPr lang="en-GB" sz="1600"/>
-              <a:t> </a:t>
-            </a:r>
-            <a:endParaRPr sz="1600"/>
-          </a:p>
-          <a:p>
-            <a:pPr indent="-330200" lvl="0" marL="457200" rtl="0" algn="l">
-              <a:spcBef>
-                <a:spcPts val="0"/>
-              </a:spcBef>
-              <a:spcAft>
-                <a:spcPts val="0"/>
-              </a:spcAft>
-              <a:buSzPts val="1600"/>
-              <a:buChar char="●"/>
-            </a:pPr>
-            <a:r>
-              <a:rPr lang="en-GB" sz="1600"/>
-              <a:t>New columns added for each trap record with weather conditions from 14 days ago</a:t>
-            </a:r>
-            <a:endParaRPr sz="1600"/>
-          </a:p>
-          <a:p>
-            <a:pPr indent="0" lvl="0" marL="0" rtl="0" algn="l">
-              <a:spcBef>
-                <a:spcPts val="1600"/>
-              </a:spcBef>
-              <a:spcAft>
-                <a:spcPts val="1600"/>
-              </a:spcAft>
-              <a:buNone/>
-            </a:pPr>
-            <a:r>
-              <a:t/>
-            </a:r>
-            <a:endParaRPr/>
+              <a:t>Rearing of </a:t>
+            </a:r>
+            <a:r>
+              <a:rPr i="1" lang="en-GB" sz="800">
+                <a:solidFill>
+                  <a:schemeClr val="dk1"/>
+                </a:solidFill>
+              </a:rPr>
+              <a:t>Culex</a:t>
+            </a:r>
+            <a:r>
+              <a:rPr lang="en-GB" sz="800">
+                <a:solidFill>
+                  <a:schemeClr val="dk1"/>
+                </a:solidFill>
+              </a:rPr>
+              <a:t> spp. and </a:t>
+            </a:r>
+            <a:r>
+              <a:rPr i="1" lang="en-GB" sz="800">
+                <a:solidFill>
+                  <a:schemeClr val="dk1"/>
+                </a:solidFill>
+              </a:rPr>
+              <a:t>Aedes</a:t>
+            </a:r>
+            <a:r>
+              <a:rPr lang="en-GB" sz="800">
+                <a:solidFill>
+                  <a:schemeClr val="dk1"/>
+                </a:solidFill>
+              </a:rPr>
+              <a:t> spp. Mosquitoes (2017) Elizabeth Kauffman et al. Bio Protoc 7(17)</a:t>
+            </a:r>
+            <a:endParaRPr sz="800"/>
           </a:p>
         </p:txBody>
       </p:sp>
@@ -13759,7 +14266,7 @@
   <p:cSld>
     <p:spTree>
       <p:nvGrpSpPr>
-        <p:cNvPr id="222" name="Shape 222"/>
+        <p:cNvPr id="223" name="Shape 223"/>
         <p:cNvGrpSpPr/>
         <p:nvPr/>
       </p:nvGrpSpPr>
@@ -13771,46 +14278,6 @@
           <a:chExt cx="0" cy="0"/>
         </a:xfrm>
       </p:grpSpPr>
-      <p:sp>
-        <p:nvSpPr>
-          <p:cNvPr id="223" name="Google Shape;223;p38"/>
-          <p:cNvSpPr txBox="1"/>
-          <p:nvPr>
-            <p:ph type="title"/>
-          </p:nvPr>
-        </p:nvSpPr>
-        <p:spPr>
-          <a:xfrm>
-            <a:off x="311700" y="445025"/>
-            <a:ext cx="8520600" cy="572700"/>
-          </a:xfrm>
-          <a:prstGeom prst="rect">
-            <a:avLst/>
-          </a:prstGeom>
-        </p:spPr>
-        <p:txBody>
-          <a:bodyPr anchorCtr="0" anchor="t" bIns="91425" lIns="91425" spcFirstLastPara="1" rIns="91425" wrap="square" tIns="91425">
-            <a:noAutofit/>
-          </a:bodyPr>
-          <a:lstStyle/>
-          <a:p>
-            <a:pPr indent="0" lvl="0" marL="0" rtl="0" algn="l">
-              <a:spcBef>
-                <a:spcPts val="0"/>
-              </a:spcBef>
-              <a:spcAft>
-                <a:spcPts val="0"/>
-              </a:spcAft>
-              <a:buNone/>
-            </a:pPr>
-            <a:r>
-              <a:rPr lang="en-GB"/>
-              <a:t>Feature Engineering</a:t>
-            </a:r>
-            <a:endParaRPr/>
-          </a:p>
-        </p:txBody>
-      </p:sp>
       <p:sp>
         <p:nvSpPr>
           <p:cNvPr id="224" name="Google Shape;224;p38"/>
@@ -13834,6 +14301,166 @@
           </a:bodyPr>
           <a:lstStyle/>
           <a:p>
+            <a:pPr indent="-342900" lvl="0" marL="457200" rtl="0" algn="l">
+              <a:spcBef>
+                <a:spcPts val="0"/>
+              </a:spcBef>
+              <a:spcAft>
+                <a:spcPts val="0"/>
+              </a:spcAft>
+              <a:buSzPts val="1800"/>
+              <a:buAutoNum type="arabicPeriod"/>
+            </a:pPr>
+            <a:r>
+              <a:rPr lang="en-GB"/>
+              <a:t>Logistic Regression</a:t>
+            </a:r>
+            <a:endParaRPr/>
+          </a:p>
+          <a:p>
+            <a:pPr indent="-342900" lvl="0" marL="457200" rtl="0" algn="l">
+              <a:spcBef>
+                <a:spcPts val="0"/>
+              </a:spcBef>
+              <a:spcAft>
+                <a:spcPts val="0"/>
+              </a:spcAft>
+              <a:buSzPts val="1800"/>
+              <a:buAutoNum type="arabicPeriod"/>
+            </a:pPr>
+            <a:r>
+              <a:rPr lang="en-GB"/>
+              <a:t>K Nearest Neighbors</a:t>
+            </a:r>
+            <a:endParaRPr/>
+          </a:p>
+          <a:p>
+            <a:pPr indent="-342900" lvl="0" marL="457200" rtl="0" algn="l">
+              <a:spcBef>
+                <a:spcPts val="0"/>
+              </a:spcBef>
+              <a:spcAft>
+                <a:spcPts val="0"/>
+              </a:spcAft>
+              <a:buSzPts val="1800"/>
+              <a:buAutoNum type="arabicPeriod"/>
+            </a:pPr>
+            <a:r>
+              <a:rPr lang="en-GB"/>
+              <a:t>Support Vector Machine</a:t>
+            </a:r>
+            <a:endParaRPr/>
+          </a:p>
+          <a:p>
+            <a:pPr indent="-342900" lvl="0" marL="457200" rtl="0" algn="l">
+              <a:spcBef>
+                <a:spcPts val="0"/>
+              </a:spcBef>
+              <a:spcAft>
+                <a:spcPts val="0"/>
+              </a:spcAft>
+              <a:buSzPts val="1800"/>
+              <a:buAutoNum type="arabicPeriod"/>
+            </a:pPr>
+            <a:r>
+              <a:rPr lang="en-GB"/>
+              <a:t>Decision Tree Classifier</a:t>
+            </a:r>
+            <a:endParaRPr/>
+          </a:p>
+          <a:p>
+            <a:pPr indent="-342900" lvl="0" marL="457200" rtl="0" algn="l">
+              <a:spcBef>
+                <a:spcPts val="0"/>
+              </a:spcBef>
+              <a:spcAft>
+                <a:spcPts val="0"/>
+              </a:spcAft>
+              <a:buSzPts val="1800"/>
+              <a:buAutoNum type="arabicPeriod"/>
+            </a:pPr>
+            <a:r>
+              <a:rPr lang="en-GB"/>
+              <a:t>Random Forest Classifier</a:t>
+            </a:r>
+            <a:endParaRPr/>
+          </a:p>
+          <a:p>
+            <a:pPr indent="-342900" lvl="0" marL="457200" rtl="0" algn="l">
+              <a:spcBef>
+                <a:spcPts val="0"/>
+              </a:spcBef>
+              <a:spcAft>
+                <a:spcPts val="0"/>
+              </a:spcAft>
+              <a:buSzPts val="1800"/>
+              <a:buAutoNum type="arabicPeriod"/>
+            </a:pPr>
+            <a:r>
+              <a:rPr lang="en-GB"/>
+              <a:t>Extra Trees Classifier</a:t>
+            </a:r>
+            <a:endParaRPr/>
+          </a:p>
+          <a:p>
+            <a:pPr indent="-342900" lvl="0" marL="457200" rtl="0" algn="l">
+              <a:spcBef>
+                <a:spcPts val="0"/>
+              </a:spcBef>
+              <a:spcAft>
+                <a:spcPts val="0"/>
+              </a:spcAft>
+              <a:buSzPts val="1800"/>
+              <a:buAutoNum type="arabicPeriod"/>
+            </a:pPr>
+            <a:r>
+              <a:rPr lang="en-GB"/>
+              <a:t>Voting Classifier (DT, RF, ET, KNN, LR)</a:t>
+            </a:r>
+            <a:endParaRPr/>
+          </a:p>
+          <a:p>
+            <a:pPr indent="-342900" lvl="0" marL="457200" rtl="0" algn="l">
+              <a:spcBef>
+                <a:spcPts val="0"/>
+              </a:spcBef>
+              <a:spcAft>
+                <a:spcPts val="0"/>
+              </a:spcAft>
+              <a:buSzPts val="1800"/>
+              <a:buAutoNum type="arabicPeriod"/>
+            </a:pPr>
+            <a:r>
+              <a:rPr lang="en-GB"/>
+              <a:t>XGBoost</a:t>
+            </a:r>
+            <a:endParaRPr/>
+          </a:p>
+        </p:txBody>
+      </p:sp>
+      <p:sp>
+        <p:nvSpPr>
+          <p:cNvPr id="225" name="Google Shape;225;p38"/>
+          <p:cNvSpPr txBox="1"/>
+          <p:nvPr>
+            <p:ph type="title"/>
+          </p:nvPr>
+        </p:nvSpPr>
+        <p:spPr>
+          <a:xfrm>
+            <a:off x="311700" y="445025"/>
+            <a:ext cx="8520600" cy="572700"/>
+          </a:xfrm>
+          <a:prstGeom prst="rect">
+            <a:avLst/>
+          </a:prstGeom>
+        </p:spPr>
+        <p:txBody>
+          <a:bodyPr anchorCtr="0" anchor="t" bIns="91425" lIns="91425" spcFirstLastPara="1" rIns="91425" wrap="square" tIns="91425">
+            <a:noAutofit/>
+          </a:bodyPr>
+          <a:lstStyle/>
+          <a:p>
             <a:pPr indent="0" lvl="0" marL="0" rtl="0" algn="l">
               <a:spcBef>
                 <a:spcPts val="0"/>
@@ -13844,157 +14471,8 @@
               <a:buNone/>
             </a:pPr>
             <a:r>
-              <a:rPr b="1" lang="en-GB"/>
-              <a:t>Daylight_Hours</a:t>
-            </a:r>
-            <a:endParaRPr b="1"/>
-          </a:p>
-          <a:p>
-            <a:pPr indent="-330200" lvl="0" marL="457200" rtl="0" algn="l">
-              <a:spcBef>
-                <a:spcPts val="1600"/>
-              </a:spcBef>
-              <a:spcAft>
-                <a:spcPts val="0"/>
-              </a:spcAft>
-              <a:buSzPts val="1600"/>
-              <a:buChar char="●"/>
-            </a:pPr>
-            <a:r>
-              <a:rPr lang="en-GB" sz="1600"/>
-              <a:t>Calculated using Sunset and Sunrise</a:t>
-            </a:r>
-            <a:endParaRPr sz="1600"/>
-          </a:p>
-          <a:p>
-            <a:pPr indent="0" lvl="0" marL="0" rtl="0" algn="l">
-              <a:spcBef>
-                <a:spcPts val="1600"/>
-              </a:spcBef>
-              <a:spcAft>
-                <a:spcPts val="0"/>
-              </a:spcAft>
-              <a:buNone/>
-            </a:pPr>
-            <a:r>
-              <a:t/>
-            </a:r>
-            <a:endParaRPr b="1"/>
-          </a:p>
-          <a:p>
-            <a:pPr indent="0" lvl="0" marL="0" rtl="0" algn="l">
-              <a:spcBef>
-                <a:spcPts val="1600"/>
-              </a:spcBef>
-              <a:spcAft>
-                <a:spcPts val="0"/>
-              </a:spcAft>
-              <a:buNone/>
-            </a:pPr>
-            <a:r>
-              <a:rPr b="1" lang="en-GB"/>
-              <a:t>DBSCAN</a:t>
-            </a:r>
-            <a:endParaRPr b="1"/>
-          </a:p>
-          <a:p>
-            <a:pPr indent="-342900" lvl="0" marL="457200" rtl="0" algn="l">
-              <a:spcBef>
-                <a:spcPts val="1600"/>
-              </a:spcBef>
-              <a:spcAft>
-                <a:spcPts val="0"/>
-              </a:spcAft>
-              <a:buSzPts val="1800"/>
-              <a:buChar char="●"/>
-            </a:pPr>
-            <a:r>
               <a:rPr lang="en-GB"/>
-              <a:t>Clustering trap records using {eps = 0.029, min_samples = 4}</a:t>
-            </a:r>
-            <a:endParaRPr/>
-          </a:p>
-          <a:p>
-            <a:pPr indent="-330200" lvl="1" marL="914400" rtl="0" algn="l">
-              <a:spcBef>
-                <a:spcPts val="0"/>
-              </a:spcBef>
-              <a:spcAft>
-                <a:spcPts val="0"/>
-              </a:spcAft>
-              <a:buSzPts val="1600"/>
-              <a:buChar char="○"/>
-            </a:pPr>
-            <a:r>
-              <a:rPr lang="en-GB"/>
-              <a:t>Silhouette Score: 0.8026123909766226</a:t>
-            </a:r>
-            <a:endParaRPr/>
-          </a:p>
-          <a:p>
-            <a:pPr indent="-330200" lvl="1" marL="914400" rtl="0" algn="l">
-              <a:spcBef>
-                <a:spcPts val="0"/>
-              </a:spcBef>
-              <a:spcAft>
-                <a:spcPts val="0"/>
-              </a:spcAft>
-              <a:buSzPts val="1600"/>
-              <a:buChar char="○"/>
-            </a:pPr>
-            <a:r>
-              <a:rPr lang="en-GB"/>
-              <a:t>Number of outliers: 45 (0.97% of samples)</a:t>
-            </a:r>
-            <a:endParaRPr/>
-          </a:p>
-          <a:p>
-            <a:pPr indent="-330200" lvl="1" marL="914400" rtl="0" algn="l">
-              <a:spcBef>
-                <a:spcPts val="0"/>
-              </a:spcBef>
-              <a:spcAft>
-                <a:spcPts val="0"/>
-              </a:spcAft>
-              <a:buSzPts val="1600"/>
-              <a:buChar char="○"/>
-            </a:pPr>
-            <a:r>
-              <a:rPr lang="en-GB"/>
-              <a:t>Number of clusters: 102</a:t>
-            </a:r>
-            <a:endParaRPr/>
-          </a:p>
-          <a:p>
-            <a:pPr indent="0" lvl="0" marL="457200" marR="50800" rtl="0" algn="l">
-              <a:lnSpc>
-                <a:spcPct val="121429"/>
-              </a:lnSpc>
-              <a:spcBef>
-                <a:spcPts val="1600"/>
-              </a:spcBef>
-              <a:spcAft>
-                <a:spcPts val="0"/>
-              </a:spcAft>
-              <a:buNone/>
-            </a:pPr>
-            <a:r>
-              <a:t/>
-            </a:r>
-            <a:endParaRPr/>
-          </a:p>
-          <a:p>
-            <a:pPr indent="0" lvl="0" marL="0" rtl="0" algn="l">
-              <a:spcBef>
-                <a:spcPts val="0"/>
-              </a:spcBef>
-              <a:spcAft>
-                <a:spcPts val="1600"/>
-              </a:spcAft>
-              <a:buNone/>
-            </a:pPr>
-            <a:r>
-              <a:t/>
+              <a:t>Models tried</a:t>
             </a:r>
             <a:endParaRPr/>
           </a:p>
@@ -14013,7 +14491,7 @@
   <p:cSld>
     <p:spTree>
       <p:nvGrpSpPr>
-        <p:cNvPr id="228" name="Shape 228"/>
+        <p:cNvPr id="229" name="Shape 229"/>
         <p:cNvGrpSpPr/>
         <p:nvPr/>
       </p:nvGrpSpPr>
@@ -14025,166 +14503,6 @@
           <a:chExt cx="0" cy="0"/>
         </a:xfrm>
       </p:grpSpPr>
-      <p:sp>
-        <p:nvSpPr>
-          <p:cNvPr id="229" name="Google Shape;229;p39"/>
-          <p:cNvSpPr txBox="1"/>
-          <p:nvPr>
-            <p:ph idx="1" type="body"/>
-          </p:nvPr>
-        </p:nvSpPr>
-        <p:spPr>
-          <a:xfrm>
-            <a:off x="311700" y="1152475"/>
-            <a:ext cx="8520600" cy="3416400"/>
-          </a:xfrm>
-          <a:prstGeom prst="rect">
-            <a:avLst/>
-          </a:prstGeom>
-        </p:spPr>
-        <p:txBody>
-          <a:bodyPr anchorCtr="0" anchor="t" bIns="91425" lIns="91425" spcFirstLastPara="1" rIns="91425" wrap="square" tIns="91425">
-            <a:noAutofit/>
-          </a:bodyPr>
-          <a:lstStyle/>
-          <a:p>
-            <a:pPr indent="-342900" lvl="0" marL="457200" rtl="0" algn="l">
-              <a:spcBef>
-                <a:spcPts val="0"/>
-              </a:spcBef>
-              <a:spcAft>
-                <a:spcPts val="0"/>
-              </a:spcAft>
-              <a:buSzPts val="1800"/>
-              <a:buAutoNum type="arabicPeriod"/>
-            </a:pPr>
-            <a:r>
-              <a:rPr lang="en-GB"/>
-              <a:t>Logistic Regression</a:t>
-            </a:r>
-            <a:endParaRPr/>
-          </a:p>
-          <a:p>
-            <a:pPr indent="-342900" lvl="0" marL="457200" rtl="0" algn="l">
-              <a:spcBef>
-                <a:spcPts val="0"/>
-              </a:spcBef>
-              <a:spcAft>
-                <a:spcPts val="0"/>
-              </a:spcAft>
-              <a:buSzPts val="1800"/>
-              <a:buAutoNum type="arabicPeriod"/>
-            </a:pPr>
-            <a:r>
-              <a:rPr lang="en-GB"/>
-              <a:t>K Nearest Neighbors</a:t>
-            </a:r>
-            <a:endParaRPr/>
-          </a:p>
-          <a:p>
-            <a:pPr indent="-342900" lvl="0" marL="457200" rtl="0" algn="l">
-              <a:spcBef>
-                <a:spcPts val="0"/>
-              </a:spcBef>
-              <a:spcAft>
-                <a:spcPts val="0"/>
-              </a:spcAft>
-              <a:buSzPts val="1800"/>
-              <a:buAutoNum type="arabicPeriod"/>
-            </a:pPr>
-            <a:r>
-              <a:rPr lang="en-GB"/>
-              <a:t>Support Vector Machine</a:t>
-            </a:r>
-            <a:endParaRPr/>
-          </a:p>
-          <a:p>
-            <a:pPr indent="-342900" lvl="0" marL="457200" rtl="0" algn="l">
-              <a:spcBef>
-                <a:spcPts val="0"/>
-              </a:spcBef>
-              <a:spcAft>
-                <a:spcPts val="0"/>
-              </a:spcAft>
-              <a:buSzPts val="1800"/>
-              <a:buAutoNum type="arabicPeriod"/>
-            </a:pPr>
-            <a:r>
-              <a:rPr lang="en-GB"/>
-              <a:t>Decision Tree Classifier</a:t>
-            </a:r>
-            <a:endParaRPr/>
-          </a:p>
-          <a:p>
-            <a:pPr indent="-342900" lvl="0" marL="457200" rtl="0" algn="l">
-              <a:spcBef>
-                <a:spcPts val="0"/>
-              </a:spcBef>
-              <a:spcAft>
-                <a:spcPts val="0"/>
-              </a:spcAft>
-              <a:buSzPts val="1800"/>
-              <a:buAutoNum type="arabicPeriod"/>
-            </a:pPr>
-            <a:r>
-              <a:rPr lang="en-GB"/>
-              <a:t>Random Forest Classifier</a:t>
-            </a:r>
-            <a:endParaRPr/>
-          </a:p>
-          <a:p>
-            <a:pPr indent="-342900" lvl="0" marL="457200" rtl="0" algn="l">
-              <a:spcBef>
-                <a:spcPts val="0"/>
-              </a:spcBef>
-              <a:spcAft>
-                <a:spcPts val="0"/>
-              </a:spcAft>
-              <a:buSzPts val="1800"/>
-              <a:buAutoNum type="arabicPeriod"/>
-            </a:pPr>
-            <a:r>
-              <a:rPr lang="en-GB"/>
-              <a:t>Extra Trees Classifier</a:t>
-            </a:r>
-            <a:endParaRPr/>
-          </a:p>
-          <a:p>
-            <a:pPr indent="-342900" lvl="0" marL="457200" rtl="0" algn="l">
-              <a:spcBef>
-                <a:spcPts val="0"/>
-              </a:spcBef>
-              <a:spcAft>
-                <a:spcPts val="0"/>
-              </a:spcAft>
-              <a:buSzPts val="1800"/>
-              <a:buAutoNum type="arabicPeriod"/>
-            </a:pPr>
-            <a:r>
-              <a:rPr lang="en-GB"/>
-              <a:t>Voting Classifier (DT, RF, ET, KNN, LR)</a:t>
-            </a:r>
-            <a:endParaRPr/>
-          </a:p>
-          <a:p>
-            <a:pPr indent="-342900" lvl="0" marL="457200" rtl="0" algn="l">
-              <a:spcBef>
-                <a:spcPts val="0"/>
-              </a:spcBef>
-              <a:spcAft>
-                <a:spcPts val="0"/>
-              </a:spcAft>
-              <a:buSzPts val="1800"/>
-              <a:buAutoNum type="arabicPeriod"/>
-            </a:pPr>
-            <a:r>
-              <a:rPr lang="en-GB"/>
-              <a:t>XGBoost</a:t>
-            </a:r>
-            <a:endParaRPr/>
-          </a:p>
-        </p:txBody>
-      </p:sp>
       <p:sp>
         <p:nvSpPr>
           <p:cNvPr id="230" name="Google Shape;230;p39"/>
@@ -14219,71 +14537,6 @@
             </a:pPr>
             <a:r>
               <a:rPr lang="en-GB"/>
-              <a:t>Models tried</a:t>
-            </a:r>
-            <a:endParaRPr/>
-          </a:p>
-        </p:txBody>
-      </p:sp>
-    </p:spTree>
-  </p:cSld>
-  <p:clrMapOvr>
-    <a:masterClrMapping/>
-  </p:clrMapOvr>
-</p:sld>
-</file>
-
-<file path=ppt/slides/slide28.xml><?xml version="1.0" encoding="utf-8"?>
-<p:sld xmlns:a="http://schemas.openxmlformats.org/drawingml/2006/main" xmlns:r="http://schemas.openxmlformats.org/officeDocument/2006/relationships" xmlns:mc="http://schemas.openxmlformats.org/markup-compatibility/2006" xmlns:mv="urn:schemas-microsoft-com:mac:vml" xmlns:p="http://schemas.openxmlformats.org/presentationml/2006/main" xmlns:c="http://schemas.openxmlformats.org/drawingml/2006/chart" xmlns:dgm="http://schemas.openxmlformats.org/drawingml/2006/diagram" xmlns:o="urn:schemas-microsoft-com:office:office" xmlns:v="urn:schemas-microsoft-com:vml" xmlns:pvml="urn:schemas-microsoft-com:office:powerpoint" xmlns:com="http://schemas.openxmlformats.org/drawingml/2006/compatibility" xmlns:p14="http://schemas.microsoft.com/office/powerpoint/2010/main" xmlns:p15="http://schemas.microsoft.com/office/powerpoint/2012/main">
-  <p:cSld>
-    <p:spTree>
-      <p:nvGrpSpPr>
-        <p:cNvPr id="234" name="Shape 234"/>
-        <p:cNvGrpSpPr/>
-        <p:nvPr/>
-      </p:nvGrpSpPr>
-      <p:grpSpPr>
-        <a:xfrm>
-          <a:off x="0" y="0"/>
-          <a:ext cx="0" cy="0"/>
-          <a:chOff x="0" y="0"/>
-          <a:chExt cx="0" cy="0"/>
-        </a:xfrm>
-      </p:grpSpPr>
-      <p:sp>
-        <p:nvSpPr>
-          <p:cNvPr id="235" name="Google Shape;235;p40"/>
-          <p:cNvSpPr txBox="1"/>
-          <p:nvPr>
-            <p:ph type="title"/>
-          </p:nvPr>
-        </p:nvSpPr>
-        <p:spPr>
-          <a:xfrm>
-            <a:off x="311700" y="445025"/>
-            <a:ext cx="8520600" cy="572700"/>
-          </a:xfrm>
-          <a:prstGeom prst="rect">
-            <a:avLst/>
-          </a:prstGeom>
-        </p:spPr>
-        <p:txBody>
-          <a:bodyPr anchorCtr="0" anchor="t" bIns="91425" lIns="91425" spcFirstLastPara="1" rIns="91425" wrap="square" tIns="91425">
-            <a:noAutofit/>
-          </a:bodyPr>
-          <a:lstStyle/>
-          <a:p>
-            <a:pPr indent="0" lvl="0" marL="0" rtl="0" algn="l">
-              <a:spcBef>
-                <a:spcPts val="0"/>
-              </a:spcBef>
-              <a:spcAft>
-                <a:spcPts val="0"/>
-              </a:spcAft>
-              <a:buNone/>
-            </a:pPr>
-            <a:r>
-              <a:rPr lang="en-GB"/>
               <a:t>Modeling results</a:t>
             </a:r>
             <a:endParaRPr/>
@@ -14292,7 +14545,7 @@
       </p:sp>
       <p:graphicFrame>
         <p:nvGraphicFramePr>
-          <p:cNvPr id="236" name="Google Shape;236;p40"/>
+          <p:cNvPr id="231" name="Google Shape;231;p39"/>
           <p:cNvGraphicFramePr/>
           <p:nvPr/>
         </p:nvGraphicFramePr>
@@ -14305,7 +14558,7 @@
             <a:tbl>
               <a:tblPr>
                 <a:noFill/>
-                <a:tableStyleId>{35C61045-F6FE-4C08-85C8-5B7E8A8CCE34}</a:tableStyleId>
+                <a:tableStyleId>{B29FA656-FA7C-4488-908E-EAF51ACDF3C8}</a:tableStyleId>
               </a:tblPr>
               <a:tblGrid>
                 <a:gridCol w="984900"/>
@@ -15844,6 +16097,9 @@
                       <a:headEnd len="sm" w="sm" type="none"/>
                       <a:tailEnd len="sm" w="sm" type="none"/>
                     </a:lnB>
+                    <a:solidFill>
+                      <a:srgbClr val="F9CB9C"/>
+                    </a:solidFill>
                   </a:tcPr>
                 </a:tc>
                 <a:tc>
@@ -15904,6 +16160,9 @@
                       <a:headEnd len="sm" w="sm" type="none"/>
                       <a:tailEnd len="sm" w="sm" type="none"/>
                     </a:lnB>
+                    <a:solidFill>
+                      <a:srgbClr val="F9CB9C"/>
+                    </a:solidFill>
                   </a:tcPr>
                 </a:tc>
                 <a:tc>
@@ -15964,6 +16223,9 @@
                       <a:headEnd len="sm" w="sm" type="none"/>
                       <a:tailEnd len="sm" w="sm" type="none"/>
                     </a:lnB>
+                    <a:solidFill>
+                      <a:srgbClr val="F9CB9C"/>
+                    </a:solidFill>
                   </a:tcPr>
                 </a:tc>
                 <a:tc>
@@ -16024,6 +16286,9 @@
                       <a:headEnd len="sm" w="sm" type="none"/>
                       <a:tailEnd len="sm" w="sm" type="none"/>
                     </a:lnB>
+                    <a:solidFill>
+                      <a:srgbClr val="F9CB9C"/>
+                    </a:solidFill>
                   </a:tcPr>
                 </a:tc>
               </a:tr>
@@ -16039,12 +16304,12 @@
 </p:sld>
 </file>
 
-<file path=ppt/slides/slide29.xml><?xml version="1.0" encoding="utf-8"?>
+<file path=ppt/slides/slide28.xml><?xml version="1.0" encoding="utf-8"?>
 <p:sld xmlns:a="http://schemas.openxmlformats.org/drawingml/2006/main" xmlns:r="http://schemas.openxmlformats.org/officeDocument/2006/relationships" xmlns:mc="http://schemas.openxmlformats.org/markup-compatibility/2006" xmlns:mv="urn:schemas-microsoft-com:mac:vml" xmlns:p="http://schemas.openxmlformats.org/presentationml/2006/main" xmlns:c="http://schemas.openxmlformats.org/drawingml/2006/chart" xmlns:dgm="http://schemas.openxmlformats.org/drawingml/2006/diagram" xmlns:o="urn:schemas-microsoft-com:office:office" xmlns:v="urn:schemas-microsoft-com:vml" xmlns:pvml="urn:schemas-microsoft-com:office:powerpoint" xmlns:com="http://schemas.openxmlformats.org/drawingml/2006/compatibility" xmlns:p14="http://schemas.microsoft.com/office/powerpoint/2010/main" xmlns:p15="http://schemas.microsoft.com/office/powerpoint/2012/main">
   <p:cSld>
     <p:spTree>
       <p:nvGrpSpPr>
-        <p:cNvPr id="240" name="Shape 240"/>
+        <p:cNvPr id="235" name="Shape 235"/>
         <p:cNvGrpSpPr/>
         <p:nvPr/>
       </p:nvGrpSpPr>
@@ -16058,7 +16323,7 @@
       </p:grpSpPr>
       <p:sp>
         <p:nvSpPr>
-          <p:cNvPr id="241" name="Google Shape;241;p41"/>
+          <p:cNvPr id="236" name="Google Shape;236;p40"/>
           <p:cNvSpPr txBox="1"/>
           <p:nvPr>
             <p:ph type="title"/>
@@ -16116,48 +16381,9 @@
           </a:p>
         </p:txBody>
       </p:sp>
-      <p:sp>
-        <p:nvSpPr>
-          <p:cNvPr id="242" name="Google Shape;242;p41"/>
-          <p:cNvSpPr txBox="1"/>
-          <p:nvPr>
-            <p:ph idx="1" type="body"/>
-          </p:nvPr>
-        </p:nvSpPr>
-        <p:spPr>
-          <a:xfrm>
-            <a:off x="311700" y="1152475"/>
-            <a:ext cx="3999900" cy="3416400"/>
-          </a:xfrm>
-          <a:prstGeom prst="rect">
-            <a:avLst/>
-          </a:prstGeom>
-        </p:spPr>
-        <p:txBody>
-          <a:bodyPr anchorCtr="0" anchor="t" bIns="91425" lIns="91425" spcFirstLastPara="1" rIns="91425" wrap="square" tIns="91425">
-            <a:noAutofit/>
-          </a:bodyPr>
-          <a:lstStyle/>
-          <a:p>
-            <a:pPr indent="0" lvl="0" marL="0" rtl="0" algn="l">
-              <a:spcBef>
-                <a:spcPts val="0"/>
-              </a:spcBef>
-              <a:spcAft>
-                <a:spcPts val="1600"/>
-              </a:spcAft>
-              <a:buNone/>
-            </a:pPr>
-            <a:r>
-              <a:t/>
-            </a:r>
-            <a:endParaRPr/>
-          </a:p>
-        </p:txBody>
-      </p:sp>
       <p:pic>
         <p:nvPicPr>
-          <p:cNvPr id="243" name="Google Shape;243;p41"/>
+          <p:cNvPr id="237" name="Google Shape;237;p40"/>
           <p:cNvPicPr preferRelativeResize="0"/>
           <p:nvPr/>
         </p:nvPicPr>
@@ -16173,6 +16399,441 @@
           <a:xfrm>
             <a:off x="3347500" y="603501"/>
             <a:ext cx="5796500" cy="4057550"/>
+          </a:xfrm>
+          <a:prstGeom prst="rect">
+            <a:avLst/>
+          </a:prstGeom>
+          <a:noFill/>
+          <a:ln>
+            <a:noFill/>
+          </a:ln>
+        </p:spPr>
+      </p:pic>
+    </p:spTree>
+  </p:cSld>
+  <p:clrMapOvr>
+    <a:masterClrMapping/>
+  </p:clrMapOvr>
+</p:sld>
+</file>
+
+<file path=ppt/slides/slide29.xml><?xml version="1.0" encoding="utf-8"?>
+<p:sld xmlns:a="http://schemas.openxmlformats.org/drawingml/2006/main" xmlns:r="http://schemas.openxmlformats.org/officeDocument/2006/relationships" xmlns:mc="http://schemas.openxmlformats.org/markup-compatibility/2006" xmlns:mv="urn:schemas-microsoft-com:mac:vml" xmlns:p="http://schemas.openxmlformats.org/presentationml/2006/main" xmlns:c="http://schemas.openxmlformats.org/drawingml/2006/chart" xmlns:dgm="http://schemas.openxmlformats.org/drawingml/2006/diagram" xmlns:o="urn:schemas-microsoft-com:office:office" xmlns:v="urn:schemas-microsoft-com:vml" xmlns:pvml="urn:schemas-microsoft-com:office:powerpoint" xmlns:com="http://schemas.openxmlformats.org/drawingml/2006/compatibility" xmlns:p14="http://schemas.microsoft.com/office/powerpoint/2010/main" xmlns:p15="http://schemas.microsoft.com/office/powerpoint/2012/main">
+  <p:cSld>
+    <p:spTree>
+      <p:nvGrpSpPr>
+        <p:cNvPr id="241" name="Shape 241"/>
+        <p:cNvGrpSpPr/>
+        <p:nvPr/>
+      </p:nvGrpSpPr>
+      <p:grpSpPr>
+        <a:xfrm>
+          <a:off x="0" y="0"/>
+          <a:ext cx="0" cy="0"/>
+          <a:chOff x="0" y="0"/>
+          <a:chExt cx="0" cy="0"/>
+        </a:xfrm>
+      </p:grpSpPr>
+      <p:sp>
+        <p:nvSpPr>
+          <p:cNvPr id="242" name="Google Shape;242;p41"/>
+          <p:cNvSpPr txBox="1"/>
+          <p:nvPr>
+            <p:ph idx="1" type="body"/>
+          </p:nvPr>
+        </p:nvSpPr>
+        <p:spPr>
+          <a:xfrm>
+            <a:off x="39050" y="674825"/>
+            <a:ext cx="4575900" cy="4468800"/>
+          </a:xfrm>
+          <a:prstGeom prst="rect">
+            <a:avLst/>
+          </a:prstGeom>
+        </p:spPr>
+        <p:txBody>
+          <a:bodyPr anchorCtr="0" anchor="t" bIns="91425" lIns="91425" spcFirstLastPara="1" rIns="91425" wrap="square" tIns="91425">
+            <a:noAutofit/>
+          </a:bodyPr>
+          <a:lstStyle/>
+          <a:p>
+            <a:pPr indent="-323850" lvl="0" marL="457200" rtl="0" algn="l">
+              <a:spcBef>
+                <a:spcPts val="0"/>
+              </a:spcBef>
+              <a:spcAft>
+                <a:spcPts val="0"/>
+              </a:spcAft>
+              <a:buSzPts val="1500"/>
+              <a:buFont typeface="Oswald"/>
+              <a:buChar char="●"/>
+            </a:pPr>
+            <a:r>
+              <a:rPr lang="en-GB" sz="1500">
+                <a:latin typeface="Oswald"/>
+                <a:ea typeface="Oswald"/>
+                <a:cs typeface="Oswald"/>
+                <a:sym typeface="Oswald"/>
+              </a:rPr>
+              <a:t>Costs (using </a:t>
+            </a:r>
+            <a:r>
+              <a:rPr lang="en-GB" sz="1500">
+                <a:latin typeface="Oswald"/>
+                <a:ea typeface="Oswald"/>
+                <a:cs typeface="Oswald"/>
+                <a:sym typeface="Oswald"/>
+              </a:rPr>
+              <a:t>pesticide Zenivex E4):</a:t>
+            </a:r>
+            <a:endParaRPr sz="1500">
+              <a:latin typeface="Oswald"/>
+              <a:ea typeface="Oswald"/>
+              <a:cs typeface="Oswald"/>
+              <a:sym typeface="Oswald"/>
+            </a:endParaRPr>
+          </a:p>
+          <a:p>
+            <a:pPr indent="-323850" lvl="1" marL="914400" rtl="0" algn="l">
+              <a:spcBef>
+                <a:spcPts val="0"/>
+              </a:spcBef>
+              <a:spcAft>
+                <a:spcPts val="0"/>
+              </a:spcAft>
+              <a:buSzPts val="1500"/>
+              <a:buChar char="○"/>
+            </a:pPr>
+            <a:r>
+              <a:rPr lang="en-GB" sz="1500"/>
+              <a:t>1 sprayer truck: </a:t>
+            </a:r>
+            <a:endParaRPr sz="1500"/>
+          </a:p>
+          <a:p>
+            <a:pPr indent="457200" lvl="0" marL="457200" rtl="0" algn="l">
+              <a:spcBef>
+                <a:spcPts val="0"/>
+              </a:spcBef>
+              <a:spcAft>
+                <a:spcPts val="0"/>
+              </a:spcAft>
+              <a:buNone/>
+            </a:pPr>
+            <a:r>
+              <a:rPr b="1" lang="en-GB" sz="1500">
+                <a:solidFill>
+                  <a:srgbClr val="B45F06"/>
+                </a:solidFill>
+              </a:rPr>
+              <a:t>$844 - $1688</a:t>
+            </a:r>
+            <a:r>
+              <a:rPr lang="en-GB" sz="1500"/>
+              <a:t> per spraying event (~5 hrs)</a:t>
+            </a:r>
+            <a:endParaRPr sz="1500"/>
+          </a:p>
+          <a:p>
+            <a:pPr indent="457200" lvl="0" marL="457200" rtl="0" algn="l">
+              <a:spcBef>
+                <a:spcPts val="0"/>
+              </a:spcBef>
+              <a:spcAft>
+                <a:spcPts val="0"/>
+              </a:spcAft>
+              <a:buNone/>
+            </a:pPr>
+            <a:r>
+              <a:rPr lang="en-GB" sz="1500"/>
+              <a:t>approximate area of effect of</a:t>
+            </a:r>
+            <a:r>
+              <a:rPr b="1" lang="en-GB" sz="1500"/>
+              <a:t> </a:t>
+            </a:r>
+            <a:r>
+              <a:rPr b="1" lang="en-GB" sz="1500">
+                <a:solidFill>
+                  <a:srgbClr val="B45F06"/>
+                </a:solidFill>
+              </a:rPr>
+              <a:t>0.6 km</a:t>
+            </a:r>
+            <a:r>
+              <a:rPr b="1" baseline="30000" lang="en-GB" sz="1500">
+                <a:solidFill>
+                  <a:srgbClr val="B45F06"/>
+                </a:solidFill>
+              </a:rPr>
+              <a:t>2</a:t>
+            </a:r>
+            <a:endParaRPr b="1" sz="1500">
+              <a:solidFill>
+                <a:srgbClr val="B45F06"/>
+              </a:solidFill>
+            </a:endParaRPr>
+          </a:p>
+          <a:p>
+            <a:pPr indent="-323850" lvl="1" marL="914400" rtl="0" algn="l">
+              <a:spcBef>
+                <a:spcPts val="0"/>
+              </a:spcBef>
+              <a:spcAft>
+                <a:spcPts val="0"/>
+              </a:spcAft>
+              <a:buSzPts val="1500"/>
+              <a:buChar char="○"/>
+            </a:pPr>
+            <a:r>
+              <a:rPr b="1" lang="en-GB" sz="1500">
+                <a:solidFill>
+                  <a:srgbClr val="B45F06"/>
+                </a:solidFill>
+              </a:rPr>
+              <a:t>~1000 trucks</a:t>
+            </a:r>
+            <a:r>
+              <a:rPr lang="en-GB" sz="1500"/>
+              <a:t> to cover Chicago (606.1 km</a:t>
+            </a:r>
+            <a:r>
+              <a:rPr baseline="30000" lang="en-GB" sz="1500"/>
+              <a:t>2</a:t>
+            </a:r>
+            <a:r>
+              <a:rPr lang="en-GB" sz="1500"/>
+              <a:t>)</a:t>
+            </a:r>
+            <a:endParaRPr sz="1500"/>
+          </a:p>
+          <a:p>
+            <a:pPr indent="-323850" lvl="0" marL="457200" rtl="0" algn="l">
+              <a:spcBef>
+                <a:spcPts val="0"/>
+              </a:spcBef>
+              <a:spcAft>
+                <a:spcPts val="0"/>
+              </a:spcAft>
+              <a:buSzPts val="1500"/>
+              <a:buFont typeface="Oswald"/>
+              <a:buChar char="●"/>
+            </a:pPr>
+            <a:r>
+              <a:rPr lang="en-GB" sz="1500">
+                <a:latin typeface="Oswald"/>
+                <a:ea typeface="Oswald"/>
+                <a:cs typeface="Oswald"/>
+                <a:sym typeface="Oswald"/>
+              </a:rPr>
+              <a:t>Benefits:</a:t>
+            </a:r>
+            <a:endParaRPr sz="1500">
+              <a:latin typeface="Oswald"/>
+              <a:ea typeface="Oswald"/>
+              <a:cs typeface="Oswald"/>
+              <a:sym typeface="Oswald"/>
+            </a:endParaRPr>
+          </a:p>
+          <a:p>
+            <a:pPr indent="-323850" lvl="1" marL="914400" rtl="0" algn="l">
+              <a:spcBef>
+                <a:spcPts val="0"/>
+              </a:spcBef>
+              <a:spcAft>
+                <a:spcPts val="0"/>
+              </a:spcAft>
+              <a:buSzPts val="1500"/>
+              <a:buChar char="○"/>
+            </a:pPr>
+            <a:r>
+              <a:rPr lang="en-GB" sz="1500"/>
+              <a:t>Fewer people dying/falling ill —&gt; increased workplace productivity and healthcare savings</a:t>
+            </a:r>
+            <a:endParaRPr sz="1500"/>
+          </a:p>
+          <a:p>
+            <a:pPr indent="-323850" lvl="1" marL="914400" rtl="0" algn="l">
+              <a:spcBef>
+                <a:spcPts val="0"/>
+              </a:spcBef>
+              <a:spcAft>
+                <a:spcPts val="0"/>
+              </a:spcAft>
+              <a:buSzPts val="1500"/>
+              <a:buChar char="○"/>
+            </a:pPr>
+            <a:r>
+              <a:rPr lang="en-GB" sz="1500"/>
+              <a:t>90 WNV cases in 2017: </a:t>
+            </a:r>
+            <a:endParaRPr sz="1500"/>
+          </a:p>
+          <a:p>
+            <a:pPr indent="0" lvl="0" marL="914400" rtl="0" algn="l">
+              <a:spcBef>
+                <a:spcPts val="0"/>
+              </a:spcBef>
+              <a:spcAft>
+                <a:spcPts val="0"/>
+              </a:spcAft>
+              <a:buNone/>
+            </a:pPr>
+            <a:r>
+              <a:rPr lang="en-GB" sz="1500"/>
+              <a:t>total income loss ~ </a:t>
+            </a:r>
+            <a:r>
+              <a:rPr lang="en-GB" sz="1500">
+                <a:solidFill>
+                  <a:srgbClr val="B45F06"/>
+                </a:solidFill>
+              </a:rPr>
+              <a:t>-</a:t>
+            </a:r>
+            <a:r>
+              <a:rPr b="1" lang="en-GB" sz="1500">
+                <a:solidFill>
+                  <a:srgbClr val="B45F06"/>
+                </a:solidFill>
+              </a:rPr>
+              <a:t>$19,353</a:t>
+            </a:r>
+            <a:endParaRPr sz="1500">
+              <a:solidFill>
+                <a:srgbClr val="B45F06"/>
+              </a:solidFill>
+            </a:endParaRPr>
+          </a:p>
+          <a:p>
+            <a:pPr indent="0" lvl="0" marL="914400" rtl="0" algn="l">
+              <a:spcBef>
+                <a:spcPts val="0"/>
+              </a:spcBef>
+              <a:spcAft>
+                <a:spcPts val="0"/>
+              </a:spcAft>
+              <a:buNone/>
+            </a:pPr>
+            <a:r>
+              <a:rPr lang="en-GB" sz="1500"/>
+              <a:t>medical bill ~ </a:t>
+            </a:r>
+            <a:r>
+              <a:rPr lang="en-GB" sz="1500">
+                <a:solidFill>
+                  <a:srgbClr val="B45F06"/>
+                </a:solidFill>
+              </a:rPr>
+              <a:t>-</a:t>
+            </a:r>
+            <a:r>
+              <a:rPr b="1" lang="en-GB" sz="1500">
+                <a:solidFill>
+                  <a:srgbClr val="B45F06"/>
+                </a:solidFill>
+              </a:rPr>
+              <a:t>$450,000</a:t>
+            </a:r>
+            <a:endParaRPr b="1" sz="1500">
+              <a:solidFill>
+                <a:srgbClr val="B45F06"/>
+              </a:solidFill>
+            </a:endParaRPr>
+          </a:p>
+          <a:p>
+            <a:pPr indent="-323850" lvl="0" marL="457200" rtl="0" algn="l">
+              <a:spcBef>
+                <a:spcPts val="0"/>
+              </a:spcBef>
+              <a:spcAft>
+                <a:spcPts val="0"/>
+              </a:spcAft>
+              <a:buSzPts val="1500"/>
+              <a:buChar char="●"/>
+            </a:pPr>
+            <a:r>
+              <a:rPr lang="en-GB" sz="1500"/>
+              <a:t>M</a:t>
+            </a:r>
+            <a:r>
+              <a:rPr lang="en-GB" sz="1500"/>
+              <a:t>oney saved from reducing WNV cases would fund about </a:t>
+            </a:r>
+            <a:r>
+              <a:rPr b="1" lang="en-GB" sz="1500">
+                <a:solidFill>
+                  <a:srgbClr val="B45F06"/>
+                </a:solidFill>
+              </a:rPr>
+              <a:t>300 - 500 sprays</a:t>
+            </a:r>
+            <a:endParaRPr b="1" sz="1500">
+              <a:solidFill>
+                <a:srgbClr val="B45F06"/>
+              </a:solidFill>
+            </a:endParaRPr>
+          </a:p>
+        </p:txBody>
+      </p:sp>
+      <p:sp>
+        <p:nvSpPr>
+          <p:cNvPr id="243" name="Google Shape;243;p41"/>
+          <p:cNvSpPr txBox="1"/>
+          <p:nvPr>
+            <p:ph type="title"/>
+          </p:nvPr>
+        </p:nvSpPr>
+        <p:spPr>
+          <a:xfrm>
+            <a:off x="92625" y="102125"/>
+            <a:ext cx="8520600" cy="572700"/>
+          </a:xfrm>
+          <a:prstGeom prst="rect">
+            <a:avLst/>
+          </a:prstGeom>
+        </p:spPr>
+        <p:txBody>
+          <a:bodyPr anchorCtr="0" anchor="t" bIns="91425" lIns="91425" spcFirstLastPara="1" rIns="91425" wrap="square" tIns="91425">
+            <a:noAutofit/>
+          </a:bodyPr>
+          <a:lstStyle/>
+          <a:p>
+            <a:pPr indent="0" lvl="0" marL="0" rtl="0" algn="l">
+              <a:spcBef>
+                <a:spcPts val="0"/>
+              </a:spcBef>
+              <a:spcAft>
+                <a:spcPts val="0"/>
+              </a:spcAft>
+              <a:buNone/>
+            </a:pPr>
+            <a:r>
+              <a:rPr lang="en-GB"/>
+              <a:t>Cost-benefit analysis</a:t>
+            </a:r>
+            <a:endParaRPr/>
+          </a:p>
+        </p:txBody>
+      </p:sp>
+      <p:pic>
+        <p:nvPicPr>
+          <p:cNvPr id="244" name="Google Shape;244;p41"/>
+          <p:cNvPicPr preferRelativeResize="0"/>
+          <p:nvPr/>
+        </p:nvPicPr>
+        <p:blipFill>
+          <a:blip r:embed="rId3">
+            <a:alphaModFix/>
+          </a:blip>
+          <a:stretch>
+            <a:fillRect/>
+          </a:stretch>
+        </p:blipFill>
+        <p:spPr>
+          <a:xfrm>
+            <a:off x="4572000" y="1211051"/>
+            <a:ext cx="4575900" cy="2859925"/>
           </a:xfrm>
           <a:prstGeom prst="rect">
             <a:avLst/>
@@ -16529,7 +17190,7 @@
   <p:cSld>
     <p:spTree>
       <p:nvGrpSpPr>
-        <p:cNvPr id="247" name="Shape 247"/>
+        <p:cNvPr id="248" name="Shape 248"/>
         <p:cNvGrpSpPr/>
         <p:nvPr/>
       </p:nvGrpSpPr>
@@ -16543,7 +17204,7 @@
       </p:grpSpPr>
       <p:sp>
         <p:nvSpPr>
-          <p:cNvPr id="248" name="Google Shape;248;p42"/>
+          <p:cNvPr id="249" name="Google Shape;249;p42"/>
           <p:cNvSpPr txBox="1"/>
           <p:nvPr>
             <p:ph idx="1" type="body"/>
@@ -16551,8 +17212,8 @@
         </p:nvSpPr>
         <p:spPr>
           <a:xfrm>
-            <a:off x="39050" y="674825"/>
-            <a:ext cx="4575900" cy="4468800"/>
+            <a:off x="543875" y="1165375"/>
+            <a:ext cx="7290000" cy="3483000"/>
           </a:xfrm>
           <a:prstGeom prst="rect">
             <a:avLst/>
@@ -16564,25 +17225,41 @@
           </a:bodyPr>
           <a:lstStyle/>
           <a:p>
-            <a:pPr indent="-323850" lvl="0" marL="457200" rtl="0" algn="l">
-              <a:spcBef>
-                <a:spcPts val="0"/>
-              </a:spcBef>
-              <a:spcAft>
-                <a:spcPts val="0"/>
-              </a:spcAft>
-              <a:buSzPts val="1500"/>
+            <a:pPr indent="-342900" lvl="0" marL="457200" rtl="0" algn="l">
+              <a:spcBef>
+                <a:spcPts val="0"/>
+              </a:spcBef>
+              <a:spcAft>
+                <a:spcPts val="0"/>
+              </a:spcAft>
+              <a:buClr>
+                <a:srgbClr val="E69138"/>
+              </a:buClr>
+              <a:buSzPts val="1800"/>
+              <a:buFont typeface="Oswald"/>
               <a:buChar char="●"/>
             </a:pPr>
             <a:r>
-              <a:rPr lang="en-GB" sz="1500"/>
-              <a:t>Cost (using </a:t>
-            </a:r>
-            <a:r>
-              <a:rPr lang="en-GB" sz="1500"/>
-              <a:t>pesticide Zenivex E4):</a:t>
-            </a:r>
-            <a:endParaRPr sz="1500"/>
+              <a:rPr lang="en-GB">
+                <a:solidFill>
+                  <a:srgbClr val="E69138"/>
+                </a:solidFill>
+                <a:latin typeface="Oswald"/>
+                <a:ea typeface="Oswald"/>
+                <a:cs typeface="Oswald"/>
+                <a:sym typeface="Oswald"/>
+              </a:rPr>
+              <a:t>WNV is more prevalent under certain conditions:</a:t>
+            </a:r>
+            <a:endParaRPr>
+              <a:solidFill>
+                <a:srgbClr val="E69138"/>
+              </a:solidFill>
+              <a:latin typeface="Oswald"/>
+              <a:ea typeface="Oswald"/>
+              <a:cs typeface="Oswald"/>
+              <a:sym typeface="Oswald"/>
+            </a:endParaRPr>
           </a:p>
           <a:p>
             <a:pPr indent="-323850" lvl="1" marL="914400" rtl="0" algn="l">
@@ -16597,55 +17274,9 @@
             </a:pPr>
             <a:r>
               <a:rPr lang="en-GB" sz="1500"/>
-              <a:t>1 sprayer truck: </a:t>
+              <a:t>Certain weeks/days of the year</a:t>
             </a:r>
             <a:endParaRPr sz="1500"/>
-          </a:p>
-          <a:p>
-            <a:pPr indent="-323850" lvl="2" marL="1371600" rtl="0" algn="l">
-              <a:spcBef>
-                <a:spcPts val="0"/>
-              </a:spcBef>
-              <a:spcAft>
-                <a:spcPts val="0"/>
-              </a:spcAft>
-              <a:buSzPts val="1500"/>
-              <a:buChar char="■"/>
-            </a:pPr>
-            <a:r>
-              <a:rPr b="1" lang="en-GB" sz="1500"/>
-              <a:t>$844 - $1688</a:t>
-            </a:r>
-            <a:r>
-              <a:rPr lang="en-GB" sz="1500"/>
-              <a:t> per spraying event (~5 hrs)</a:t>
-            </a:r>
-            <a:endParaRPr sz="1500"/>
-          </a:p>
-          <a:p>
-            <a:pPr indent="-323850" lvl="2" marL="1371600" rtl="0" algn="l">
-              <a:spcBef>
-                <a:spcPts val="0"/>
-              </a:spcBef>
-              <a:spcAft>
-                <a:spcPts val="0"/>
-              </a:spcAft>
-              <a:buSzPts val="1500"/>
-              <a:buChar char="■"/>
-            </a:pPr>
-            <a:r>
-              <a:rPr lang="en-GB" sz="1500"/>
-              <a:t>approximate area of effect of</a:t>
-            </a:r>
-            <a:r>
-              <a:rPr b="1" lang="en-GB" sz="1500"/>
-              <a:t> 0.6 km</a:t>
-            </a:r>
-            <a:r>
-              <a:rPr b="1" baseline="30000" lang="en-GB" sz="1500"/>
-              <a:t>2</a:t>
-            </a:r>
-            <a:endParaRPr b="1" sz="1500"/>
           </a:p>
           <a:p>
             <a:pPr indent="-323850" lvl="1" marL="914400" rtl="0" algn="l">
@@ -16659,42 +17290,16 @@
               <a:buChar char="○"/>
             </a:pPr>
             <a:r>
-              <a:rPr b="1" lang="en-GB" sz="1500"/>
-              <a:t>~1000 trucks</a:t>
-            </a:r>
-            <a:r>
               <a:rPr lang="en-GB" sz="1500"/>
-              <a:t> to cover Chicago (606.1 km</a:t>
-            </a:r>
-            <a:r>
-              <a:rPr baseline="30000" lang="en-GB" sz="1500"/>
-              <a:t>2</a:t>
-            </a:r>
-            <a:r>
-              <a:rPr lang="en-GB" sz="1500"/>
-              <a:t>)</a:t>
+              <a:t>Longer daylight hours</a:t>
             </a:r>
             <a:endParaRPr sz="1500"/>
           </a:p>
           <a:p>
-            <a:pPr indent="-323850" lvl="0" marL="457200" rtl="0" algn="l">
-              <a:spcBef>
-                <a:spcPts val="0"/>
-              </a:spcBef>
-              <a:spcAft>
-                <a:spcPts val="0"/>
-              </a:spcAft>
-              <a:buSzPts val="1500"/>
-              <a:buChar char="●"/>
-            </a:pPr>
-            <a:r>
-              <a:rPr lang="en-GB" sz="1500"/>
-              <a:t>Benefit:</a:t>
-            </a:r>
-            <a:endParaRPr sz="1500"/>
-          </a:p>
-          <a:p>
             <a:pPr indent="-323850" lvl="1" marL="914400" rtl="0" algn="l">
+              <a:lnSpc>
+                <a:spcPct val="200000"/>
+              </a:lnSpc>
               <a:spcBef>
                 <a:spcPts val="0"/>
               </a:spcBef>
@@ -16706,9 +17311,46 @@
             </a:pPr>
             <a:r>
               <a:rPr lang="en-GB" sz="1500"/>
-              <a:t>Fewer people dying/falling ill —&gt; increased workplace productivity and healthcare savings</a:t>
+              <a:t>Higher average temperatures</a:t>
             </a:r>
             <a:endParaRPr sz="1500"/>
+          </a:p>
+          <a:p>
+            <a:pPr indent="-342900" lvl="0" marL="457200" rtl="0" algn="l">
+              <a:spcBef>
+                <a:spcPts val="0"/>
+              </a:spcBef>
+              <a:spcAft>
+                <a:spcPts val="0"/>
+              </a:spcAft>
+              <a:buClr>
+                <a:srgbClr val="E69138"/>
+              </a:buClr>
+              <a:buSzPts val="1800"/>
+              <a:buFont typeface="Oswald"/>
+              <a:buChar char="●"/>
+            </a:pPr>
+            <a:r>
+              <a:rPr lang="en-GB">
+                <a:solidFill>
+                  <a:srgbClr val="E69138"/>
+                </a:solidFill>
+                <a:latin typeface="Oswald"/>
+                <a:ea typeface="Oswald"/>
+                <a:cs typeface="Oswald"/>
+                <a:sym typeface="Oswald"/>
+              </a:rPr>
+              <a:t>Spraying efforts should be focused during these periods</a:t>
+            </a:r>
+            <a:endParaRPr>
+              <a:solidFill>
+                <a:srgbClr val="E69138"/>
+              </a:solidFill>
+              <a:latin typeface="Oswald"/>
+              <a:ea typeface="Oswald"/>
+              <a:cs typeface="Oswald"/>
+              <a:sym typeface="Oswald"/>
+            </a:endParaRPr>
           </a:p>
           <a:p>
             <a:pPr indent="-323850" lvl="1" marL="914400" rtl="0" algn="l">
@@ -16723,12 +17365,12 @@
             </a:pPr>
             <a:r>
               <a:rPr lang="en-GB" sz="1500"/>
-              <a:t>90 WNV cases in 2017: </a:t>
+              <a:t>Not enough evidence to conclude that current spraying efforts are effective</a:t>
             </a:r>
             <a:endParaRPr sz="1500"/>
           </a:p>
           <a:p>
-            <a:pPr indent="-323850" lvl="2" marL="1371600" rtl="0" algn="l">
+            <a:pPr indent="-323850" lvl="1" marL="914400" rtl="0" algn="l">
               <a:spcBef>
                 <a:spcPts val="0"/>
               </a:spcBef>
@@ -16736,73 +17378,19 @@
                 <a:spcPts val="0"/>
               </a:spcAft>
               <a:buSzPts val="1500"/>
-              <a:buChar char="■"/>
+              <a:buChar char="○"/>
             </a:pPr>
             <a:r>
               <a:rPr lang="en-GB" sz="1500"/>
-              <a:t>total income loss ~</a:t>
-            </a:r>
-            <a:r>
-              <a:rPr b="1" lang="en-GB" sz="1500"/>
-              <a:t>$19,353</a:t>
+              <a:t>Need better designed spraying regime: e.g. spray at the beginning of august</a:t>
             </a:r>
             <a:endParaRPr sz="1500"/>
-          </a:p>
-          <a:p>
-            <a:pPr indent="-323850" lvl="2" marL="1371600" rtl="0" algn="l">
-              <a:spcBef>
-                <a:spcPts val="0"/>
-              </a:spcBef>
-              <a:spcAft>
-                <a:spcPts val="0"/>
-              </a:spcAft>
-              <a:buSzPts val="1500"/>
-              <a:buChar char="■"/>
-            </a:pPr>
-            <a:r>
-              <a:rPr lang="en-GB" sz="1500"/>
-              <a:t>medical bill </a:t>
-            </a:r>
-            <a:r>
-              <a:rPr b="1" lang="en-GB" sz="1500"/>
-              <a:t>~</a:t>
-            </a:r>
-            <a:r>
-              <a:rPr b="1" lang="en-GB" sz="1500"/>
-              <a:t>$450,000</a:t>
-            </a:r>
-            <a:endParaRPr b="1" sz="1500"/>
-          </a:p>
-          <a:p>
-            <a:pPr indent="-323850" lvl="0" marL="457200" rtl="0" algn="l">
-              <a:spcBef>
-                <a:spcPts val="0"/>
-              </a:spcBef>
-              <a:spcAft>
-                <a:spcPts val="0"/>
-              </a:spcAft>
-              <a:buSzPts val="1500"/>
-              <a:buChar char="●"/>
-            </a:pPr>
-            <a:r>
-              <a:rPr lang="en-GB" sz="1500"/>
-              <a:t>M</a:t>
-            </a:r>
-            <a:r>
-              <a:rPr lang="en-GB" sz="1500"/>
-              <a:t>oney saved from reducing WNV cases would fund about </a:t>
-            </a:r>
-            <a:r>
-              <a:rPr b="1" lang="en-GB" sz="1500"/>
-              <a:t>300 - 500 sprays</a:t>
-            </a:r>
-            <a:endParaRPr b="1" sz="1500"/>
           </a:p>
         </p:txBody>
       </p:sp>
       <p:sp>
         <p:nvSpPr>
-          <p:cNvPr id="249" name="Google Shape;249;p42"/>
+          <p:cNvPr id="250" name="Google Shape;250;p42"/>
           <p:cNvSpPr txBox="1"/>
           <p:nvPr>
             <p:ph type="title"/>
@@ -16810,7 +17398,7 @@
         </p:nvSpPr>
         <p:spPr>
           <a:xfrm>
-            <a:off x="92625" y="102125"/>
+            <a:off x="543875" y="435500"/>
             <a:ext cx="8520600" cy="572700"/>
           </a:xfrm>
           <a:prstGeom prst="rect">
@@ -16834,40 +17422,12 @@
             </a:pPr>
             <a:r>
               <a:rPr lang="en-GB"/>
-              <a:t>Cost-benefit analysis</a:t>
+              <a:t>Conclusion &amp; Recommendations</a:t>
             </a:r>
             <a:endParaRPr/>
           </a:p>
         </p:txBody>
       </p:sp>
-      <p:pic>
-        <p:nvPicPr>
-          <p:cNvPr id="250" name="Google Shape;250;p42"/>
-          <p:cNvPicPr preferRelativeResize="0"/>
-          <p:nvPr/>
-        </p:nvPicPr>
-        <p:blipFill>
-          <a:blip r:embed="rId3">
-            <a:alphaModFix/>
-          </a:blip>
-          <a:stretch>
-            <a:fillRect/>
-          </a:stretch>
-        </p:blipFill>
-        <p:spPr>
-          <a:xfrm>
-            <a:off x="4720600" y="1215413"/>
-            <a:ext cx="4340300" cy="2712687"/>
-          </a:xfrm>
-          <a:prstGeom prst="rect">
-            <a:avLst/>
-          </a:prstGeom>
-          <a:noFill/>
-          <a:ln>
-            <a:noFill/>
-          </a:ln>
-        </p:spPr>
-      </p:pic>
     </p:spTree>
   </p:cSld>
   <p:clrMapOvr>
@@ -18173,7 +18733,7 @@
             <a:tbl>
               <a:tblPr>
                 <a:noFill/>
-                <a:tableStyleId>{E7E0D4D1-B86D-4047-801D-F41032BEA09F}</a:tableStyleId>
+                <a:tableStyleId>{27D09ABA-A50D-43DF-B8F5-7E5FC37073E8}</a:tableStyleId>
               </a:tblPr>
               <a:tblGrid>
                 <a:gridCol w="1290075"/>
@@ -18823,7 +19383,7 @@
             <a:tbl>
               <a:tblPr>
                 <a:noFill/>
-                <a:tableStyleId>{35C61045-F6FE-4C08-85C8-5B7E8A8CCE34}</a:tableStyleId>
+                <a:tableStyleId>{B29FA656-FA7C-4488-908E-EAF51ACDF3C8}</a:tableStyleId>
               </a:tblPr>
               <a:tblGrid>
                 <a:gridCol w="1331350"/>
@@ -19737,45 +20297,6 @@
         <p:nvSpPr>
           <p:cNvPr id="76" name="Google Shape;76;p16"/>
           <p:cNvSpPr txBox="1"/>
-          <p:nvPr>
-            <p:ph idx="2" type="body"/>
-          </p:nvPr>
-        </p:nvSpPr>
-        <p:spPr>
-          <a:xfrm>
-            <a:off x="4832400" y="1152475"/>
-            <a:ext cx="3999900" cy="3416400"/>
-          </a:xfrm>
-          <a:prstGeom prst="rect">
-            <a:avLst/>
-          </a:prstGeom>
-        </p:spPr>
-        <p:txBody>
-          <a:bodyPr anchorCtr="0" anchor="t" bIns="91425" lIns="91425" spcFirstLastPara="1" rIns="91425" wrap="square" tIns="91425">
-            <a:noAutofit/>
-          </a:bodyPr>
-          <a:lstStyle/>
-          <a:p>
-            <a:pPr indent="0" lvl="0" marL="0" rtl="0" algn="l">
-              <a:spcBef>
-                <a:spcPts val="0"/>
-              </a:spcBef>
-              <a:spcAft>
-                <a:spcPts val="1600"/>
-              </a:spcAft>
-              <a:buNone/>
-            </a:pPr>
-            <a:r>
-              <a:t/>
-            </a:r>
-            <a:endParaRPr/>
-          </a:p>
-        </p:txBody>
-      </p:sp>
-      <p:sp>
-        <p:nvSpPr>
-          <p:cNvPr id="77" name="Google Shape;77;p16"/>
-          <p:cNvSpPr txBox="1"/>
           <p:nvPr/>
         </p:nvSpPr>
         <p:spPr>
@@ -19858,7 +20379,7 @@
             <a:tbl>
               <a:tblPr>
                 <a:noFill/>
-                <a:tableStyleId>{E7E0D4D1-B86D-4047-801D-F41032BEA09F}</a:tableStyleId>
+                <a:tableStyleId>{27D09ABA-A50D-43DF-B8F5-7E5FC37073E8}</a:tableStyleId>
               </a:tblPr>
               <a:tblGrid>
                 <a:gridCol w="675575"/>
@@ -20589,7 +21110,7 @@
             <a:tbl>
               <a:tblPr>
                 <a:noFill/>
-                <a:tableStyleId>{35C61045-F6FE-4C08-85C8-5B7E8A8CCE34}</a:tableStyleId>
+                <a:tableStyleId>{B29FA656-FA7C-4488-908E-EAF51ACDF3C8}</a:tableStyleId>
               </a:tblPr>
               <a:tblGrid>
                 <a:gridCol w="1050225"/>
@@ -23161,7 +23682,7 @@
   <p:cSld>
     <p:spTree>
       <p:nvGrpSpPr>
-        <p:cNvPr id="81" name="Shape 81"/>
+        <p:cNvPr id="80" name="Shape 80"/>
         <p:cNvGrpSpPr/>
         <p:nvPr/>
       </p:nvGrpSpPr>
@@ -23175,7 +23696,7 @@
       </p:grpSpPr>
       <p:sp>
         <p:nvSpPr>
-          <p:cNvPr id="82" name="Google Shape;82;p17"/>
+          <p:cNvPr id="81" name="Google Shape;81;p17"/>
           <p:cNvSpPr txBox="1"/>
           <p:nvPr>
             <p:ph idx="2" type="body"/>
@@ -23447,7 +23968,7 @@
                   <a:schemeClr val="dk1"/>
                 </a:solidFill>
               </a:rPr>
-              <a:t>bundled into “pools” of &lt;= 50</a:t>
+              <a:t>bundled into “pools” of &lt;= 50 with records for each “pool”</a:t>
             </a:r>
             <a:endParaRPr sz="1600">
               <a:solidFill>
@@ -23457,6 +23978,33 @@
           </a:p>
           <a:p>
             <a:pPr indent="0" lvl="0" marL="0" rtl="0" algn="l">
+              <a:lnSpc>
+                <a:spcPct val="90000"/>
+              </a:lnSpc>
+              <a:spcBef>
+                <a:spcPts val="1200"/>
+              </a:spcBef>
+              <a:spcAft>
+                <a:spcPts val="0"/>
+              </a:spcAft>
+              <a:buNone/>
+            </a:pPr>
+            <a:r>
+              <a:rPr lang="en-GB" sz="1600">
+                <a:solidFill>
+                  <a:schemeClr val="dk1"/>
+                </a:solidFill>
+              </a:rPr>
+              <a:t>—&gt; combined the split records </a:t>
+            </a:r>
+            <a:endParaRPr sz="1600">
+              <a:solidFill>
+                <a:schemeClr val="dk1"/>
+              </a:solidFill>
+            </a:endParaRPr>
+          </a:p>
+          <a:p>
+            <a:pPr indent="0" lvl="0" marL="0" rtl="0" algn="l">
               <a:spcBef>
                 <a:spcPts val="0"/>
               </a:spcBef>
@@ -23474,7 +24022,7 @@
       </p:sp>
       <p:sp>
         <p:nvSpPr>
-          <p:cNvPr id="83" name="Google Shape;83;p17"/>
+          <p:cNvPr id="82" name="Google Shape;82;p17"/>
           <p:cNvSpPr txBox="1"/>
           <p:nvPr>
             <p:ph type="title"/>
@@ -23534,7 +24082,7 @@
       </p:sp>
       <p:sp>
         <p:nvSpPr>
-          <p:cNvPr id="84" name="Google Shape;84;p17"/>
+          <p:cNvPr id="83" name="Google Shape;83;p17"/>
           <p:cNvSpPr txBox="1"/>
           <p:nvPr>
             <p:ph idx="1" type="body"/>
@@ -23672,7 +24220,7 @@
       </p:sp>
       <p:sp>
         <p:nvSpPr>
-          <p:cNvPr id="85" name="Google Shape;85;p17"/>
+          <p:cNvPr id="84" name="Google Shape;84;p17"/>
           <p:cNvSpPr/>
           <p:nvPr/>
         </p:nvSpPr>
@@ -23736,7 +24284,7 @@
   <p:cSld>
     <p:spTree>
       <p:nvGrpSpPr>
-        <p:cNvPr id="89" name="Shape 89"/>
+        <p:cNvPr id="88" name="Shape 88"/>
         <p:cNvGrpSpPr/>
         <p:nvPr/>
       </p:nvGrpSpPr>
@@ -23750,7 +24298,7 @@
       </p:grpSpPr>
       <p:sp>
         <p:nvSpPr>
-          <p:cNvPr id="90" name="Google Shape;90;p18"/>
+          <p:cNvPr id="89" name="Google Shape;89;p18"/>
           <p:cNvSpPr txBox="1"/>
           <p:nvPr>
             <p:ph type="title"/>
@@ -23790,7 +24338,7 @@
       </p:sp>
       <p:sp>
         <p:nvSpPr>
-          <p:cNvPr id="91" name="Google Shape;91;p18"/>
+          <p:cNvPr id="90" name="Google Shape;90;p18"/>
           <p:cNvSpPr txBox="1"/>
           <p:nvPr>
             <p:ph idx="2" type="body"/>
@@ -24012,7 +24560,7 @@
       </p:sp>
       <p:sp>
         <p:nvSpPr>
-          <p:cNvPr id="92" name="Google Shape;92;p18"/>
+          <p:cNvPr id="91" name="Google Shape;91;p18"/>
           <p:cNvSpPr txBox="1"/>
           <p:nvPr>
             <p:ph idx="1" type="body"/>
@@ -24150,7 +24698,7 @@
       </p:sp>
       <p:sp>
         <p:nvSpPr>
-          <p:cNvPr id="93" name="Google Shape;93;p18"/>
+          <p:cNvPr id="92" name="Google Shape;92;p18"/>
           <p:cNvSpPr/>
           <p:nvPr/>
         </p:nvSpPr>
@@ -24214,7 +24762,7 @@
   <p:cSld>
     <p:spTree>
       <p:nvGrpSpPr>
-        <p:cNvPr id="97" name="Shape 97"/>
+        <p:cNvPr id="96" name="Shape 96"/>
         <p:cNvGrpSpPr/>
         <p:nvPr/>
       </p:nvGrpSpPr>
@@ -24228,7 +24776,7 @@
       </p:grpSpPr>
       <p:sp>
         <p:nvSpPr>
-          <p:cNvPr id="98" name="Google Shape;98;p19"/>
+          <p:cNvPr id="97" name="Google Shape;97;p19"/>
           <p:cNvSpPr txBox="1"/>
           <p:nvPr>
             <p:ph type="title"/>
@@ -24268,7 +24816,7 @@
       </p:sp>
       <p:pic>
         <p:nvPicPr>
-          <p:cNvPr id="99" name="Google Shape;99;p19"/>
+          <p:cNvPr id="98" name="Google Shape;98;p19"/>
           <p:cNvPicPr preferRelativeResize="0"/>
           <p:nvPr/>
         </p:nvPicPr>
@@ -24296,7 +24844,7 @@
       </p:pic>
       <p:sp>
         <p:nvSpPr>
-          <p:cNvPr id="100" name="Google Shape;100;p19"/>
+          <p:cNvPr id="99" name="Google Shape;99;p19"/>
           <p:cNvSpPr txBox="1"/>
           <p:nvPr>
             <p:ph idx="1" type="body"/>
@@ -24358,7 +24906,7 @@
   <p:cSld>
     <p:spTree>
       <p:nvGrpSpPr>
-        <p:cNvPr id="104" name="Shape 104"/>
+        <p:cNvPr id="103" name="Shape 103"/>
         <p:cNvGrpSpPr/>
         <p:nvPr/>
       </p:nvGrpSpPr>
@@ -24372,7 +24920,7 @@
       </p:grpSpPr>
       <p:pic>
         <p:nvPicPr>
-          <p:cNvPr id="105" name="Google Shape;105;p20"/>
+          <p:cNvPr id="104" name="Google Shape;104;p20"/>
           <p:cNvPicPr preferRelativeResize="0"/>
           <p:nvPr/>
         </p:nvPicPr>
@@ -24400,7 +24948,7 @@
       </p:pic>
       <p:sp>
         <p:nvSpPr>
-          <p:cNvPr id="106" name="Google Shape;106;p20"/>
+          <p:cNvPr id="105" name="Google Shape;105;p20"/>
           <p:cNvSpPr txBox="1"/>
           <p:nvPr>
             <p:ph type="title"/>
@@ -24461,7 +25009,7 @@
   <p:cSld>
     <p:spTree>
       <p:nvGrpSpPr>
-        <p:cNvPr id="110" name="Shape 110"/>
+        <p:cNvPr id="109" name="Shape 109"/>
         <p:cNvGrpSpPr/>
         <p:nvPr/>
       </p:nvGrpSpPr>
@@ -24475,7 +25023,7 @@
       </p:grpSpPr>
       <p:pic>
         <p:nvPicPr>
-          <p:cNvPr id="111" name="Google Shape;111;p21"/>
+          <p:cNvPr id="110" name="Google Shape;110;p21"/>
           <p:cNvPicPr preferRelativeResize="0"/>
           <p:nvPr/>
         </p:nvPicPr>
@@ -24503,7 +25051,7 @@
       </p:pic>
       <p:sp>
         <p:nvSpPr>
-          <p:cNvPr id="112" name="Google Shape;112;p21"/>
+          <p:cNvPr id="111" name="Google Shape;111;p21"/>
           <p:cNvSpPr txBox="1"/>
           <p:nvPr>
             <p:ph type="title"/>
